--- a/VideoSessionsMaterials/setting-up.pptx
+++ b/VideoSessionsMaterials/setting-up.pptx
@@ -5,15 +5,16 @@
     <p:sldMasterId id="2147483648" r:id="rId1"/>
   </p:sldMasterIdLst>
   <p:notesMasterIdLst>
-    <p:notesMasterId r:id="rId8"/>
+    <p:notesMasterId r:id="rId9"/>
   </p:notesMasterIdLst>
   <p:sldIdLst>
     <p:sldId id="364" r:id="rId2"/>
     <p:sldId id="326" r:id="rId3"/>
-    <p:sldId id="367" r:id="rId4"/>
-    <p:sldId id="368" r:id="rId5"/>
-    <p:sldId id="369" r:id="rId6"/>
-    <p:sldId id="322" r:id="rId7"/>
+    <p:sldId id="370" r:id="rId4"/>
+    <p:sldId id="367" r:id="rId5"/>
+    <p:sldId id="368" r:id="rId6"/>
+    <p:sldId id="369" r:id="rId7"/>
+    <p:sldId id="322" r:id="rId8"/>
   </p:sldIdLst>
   <p:sldSz cx="17327563" cy="9747250"/>
   <p:notesSz cx="6858000" cy="9144000"/>
@@ -228,7 +229,7 @@
             <a:fld id="{DDC063FE-8627-9A42-970F-0BBEEB02B587}" type="datetimeFigureOut">
               <a:rPr lang="en-US" smtClean="0"/>
               <a:pPr/>
-              <a:t>12/4/13</a:t>
+              <a:t>12/5/13</a:t>
             </a:fld>
             <a:endParaRPr lang="en-US" dirty="0"/>
           </a:p>
@@ -733,7 +734,7 @@
             <a:fld id="{3560C2FB-C494-1A46-A471-884A4E75440F}" type="slidenum">
               <a:rPr lang="en-US" smtClean="0"/>
               <a:pPr/>
-              <a:t>3</a:t>
+              <a:t>4</a:t>
             </a:fld>
             <a:endParaRPr lang="en-US" dirty="0"/>
           </a:p>
@@ -818,7 +819,7 @@
             <a:fld id="{3560C2FB-C494-1A46-A471-884A4E75440F}" type="slidenum">
               <a:rPr lang="en-US" smtClean="0"/>
               <a:pPr/>
-              <a:t>4</a:t>
+              <a:t>5</a:t>
             </a:fld>
             <a:endParaRPr lang="en-US" dirty="0"/>
           </a:p>
@@ -903,7 +904,7 @@
             <a:fld id="{3560C2FB-C494-1A46-A471-884A4E75440F}" type="slidenum">
               <a:rPr lang="en-US" smtClean="0"/>
               <a:pPr/>
-              <a:t>5</a:t>
+              <a:t>6</a:t>
             </a:fld>
             <a:endParaRPr lang="en-US" dirty="0"/>
           </a:p>
@@ -988,7 +989,7 @@
             <a:fld id="{3560C2FB-C494-1A46-A471-884A4E75440F}" type="slidenum">
               <a:rPr lang="en-US" smtClean="0"/>
               <a:pPr/>
-              <a:t>6</a:t>
+              <a:t>7</a:t>
             </a:fld>
             <a:endParaRPr lang="en-US" dirty="0"/>
           </a:p>
@@ -5360,7 +5361,15 @@
           <a:p>
             <a:r>
               <a:rPr lang="en-US" dirty="0" smtClean="0"/>
-              <a:t>Title</a:t>
+              <a:t>requirements to use the media </a:t>
+            </a:r>
+            <a:r>
+              <a:rPr lang="en-US" dirty="0" err="1" smtClean="0"/>
+              <a:t>api</a:t>
+            </a:r>
+            <a:r>
+              <a:rPr lang="en-US" dirty="0" smtClean="0"/>
+              <a:t> use</a:t>
             </a:r>
             <a:endParaRPr lang="en-US" dirty="0"/>
           </a:p>
@@ -5376,17 +5385,151 @@
             <p:ph idx="1"/>
           </p:nvPr>
         </p:nvSpPr>
-        <p:spPr/>
+        <p:spPr>
+          <a:xfrm>
+            <a:off x="541346" y="1911090"/>
+            <a:ext cx="15877477" cy="6763783"/>
+          </a:xfrm>
+        </p:spPr>
         <p:txBody>
           <a:bodyPr>
-            <a:normAutofit/>
+            <a:normAutofit lnSpcReduction="10000"/>
           </a:bodyPr>
           <a:lstStyle/>
           <a:p>
             <a:r>
               <a:rPr lang="en-US" sz="3200" dirty="0" smtClean="0"/>
-              <a:t>Content</a:t>
-            </a:r>
+              <a:t>Appropriate account</a:t>
+            </a:r>
+          </a:p>
+          <a:p>
+            <a:r>
+              <a:rPr lang="en-US" sz="3200" dirty="0"/>
+              <a:t>The Media API Read methods are available in the following editions</a:t>
+            </a:r>
+            <a:endParaRPr lang="en-US" sz="3200" dirty="0"/>
+          </a:p>
+          <a:p>
+            <a:pPr lvl="1"/>
+            <a:r>
+              <a:rPr lang="en-US" sz="3200" dirty="0"/>
+              <a:t>Express 3</a:t>
+            </a:r>
+            <a:endParaRPr lang="en-US" sz="3200" dirty="0"/>
+          </a:p>
+          <a:p>
+            <a:pPr lvl="1"/>
+            <a:r>
+              <a:rPr lang="en-US" sz="3200" dirty="0"/>
+              <a:t>Professional</a:t>
+            </a:r>
+            <a:endParaRPr lang="en-US" sz="3200" dirty="0"/>
+          </a:p>
+          <a:p>
+            <a:pPr lvl="1"/>
+            <a:r>
+              <a:rPr lang="en-US" sz="3200" dirty="0"/>
+              <a:t>Enterprise</a:t>
+            </a:r>
+            <a:endParaRPr lang="en-US" sz="3200" dirty="0"/>
+          </a:p>
+          <a:p>
+            <a:r>
+              <a:rPr lang="en-US" sz="3200" dirty="0"/>
+              <a:t>The Media API Write methods are available in</a:t>
+            </a:r>
+            <a:endParaRPr lang="en-US" sz="3200" dirty="0"/>
+          </a:p>
+          <a:p>
+            <a:pPr lvl="1"/>
+            <a:r>
+              <a:rPr lang="en-US" sz="3200" dirty="0" smtClean="0"/>
+              <a:t>Professional	</a:t>
+            </a:r>
+            <a:endParaRPr lang="en-US" sz="3200" dirty="0"/>
+          </a:p>
+          <a:p>
+            <a:pPr lvl="1"/>
+            <a:r>
+              <a:rPr lang="en-US" sz="3200" dirty="0" smtClean="0"/>
+              <a:t>Enterprise</a:t>
+            </a:r>
+          </a:p>
+          <a:p>
+            <a:r>
+              <a:rPr lang="en-US" sz="3200" dirty="0">
+                <a:solidFill>
+                  <a:schemeClr val="tx1"/>
+                </a:solidFill>
+              </a:rPr>
+              <a:t>You will also need an editor for HTML/JavaScript</a:t>
+            </a:r>
+          </a:p>
+          <a:p>
+            <a:pPr lvl="1"/>
+            <a:r>
+              <a:rPr lang="en-US" sz="3200" dirty="0">
+                <a:solidFill>
+                  <a:schemeClr val="tx1"/>
+                </a:solidFill>
+              </a:rPr>
+              <a:t>Any plain text editor will work</a:t>
+            </a:r>
+          </a:p>
+          <a:p>
+            <a:pPr lvl="1"/>
+            <a:r>
+              <a:rPr lang="en-US" sz="3200" dirty="0">
+                <a:solidFill>
+                  <a:schemeClr val="tx1"/>
+                </a:solidFill>
+              </a:rPr>
+              <a:t>An editor such as </a:t>
+            </a:r>
+            <a:r>
+              <a:rPr lang="en-US" sz="3200" dirty="0" err="1">
+                <a:solidFill>
+                  <a:schemeClr val="tx1"/>
+                </a:solidFill>
+              </a:rPr>
+              <a:t>Chocolat</a:t>
+            </a:r>
+            <a:r>
+              <a:rPr lang="en-US" sz="3200" dirty="0">
+                <a:solidFill>
+                  <a:schemeClr val="tx1"/>
+                </a:solidFill>
+              </a:rPr>
+              <a:t>, Sublime Text, Dreamweaver, BBEdit, or </a:t>
+            </a:r>
+            <a:r>
+              <a:rPr lang="en-US" sz="3200" dirty="0" err="1">
+                <a:solidFill>
+                  <a:schemeClr val="tx1"/>
+                </a:solidFill>
+              </a:rPr>
+              <a:t>CoffeeCup</a:t>
+            </a:r>
+            <a:r>
+              <a:rPr lang="en-US" sz="3200" dirty="0">
+                <a:solidFill>
+                  <a:schemeClr val="tx1"/>
+                </a:solidFill>
+              </a:rPr>
+              <a:t>, that provides code-hinting and syntax highlighting is </a:t>
+            </a:r>
+            <a:r>
+              <a:rPr lang="en-US" sz="3200" dirty="0" smtClean="0">
+                <a:solidFill>
+                  <a:schemeClr val="tx1"/>
+                </a:solidFill>
+              </a:rPr>
+              <a:t>recommended</a:t>
+            </a:r>
+            <a:endParaRPr lang="en-US" sz="3200" dirty="0"/>
+          </a:p>
+          <a:p>
+            <a:endParaRPr lang="en-US" sz="3200" dirty="0" smtClean="0"/>
           </a:p>
           <a:p>
             <a:endParaRPr lang="en-US" sz="3200" dirty="0"/>
@@ -5432,7 +5575,7 @@
       </p:grpSpPr>
       <p:sp>
         <p:nvSpPr>
-          <p:cNvPr id="3" name="Title 2"/>
+          <p:cNvPr id="2" name="Title 1"/>
           <p:cNvSpPr>
             <a:spLocks noGrp="1"/>
           </p:cNvSpPr>
@@ -5447,7 +5590,7 @@
           <a:p>
             <a:r>
               <a:rPr lang="en-US" dirty="0" smtClean="0"/>
-              <a:t>Title</a:t>
+              <a:t>getting the student files</a:t>
             </a:r>
             <a:endParaRPr lang="en-US" dirty="0"/>
           </a:p>
@@ -5455,7 +5598,7 @@
       </p:sp>
       <p:sp>
         <p:nvSpPr>
-          <p:cNvPr id="4" name="Content Placeholder 3"/>
+          <p:cNvPr id="3" name="Content Placeholder 2"/>
           <p:cNvSpPr>
             <a:spLocks noGrp="1"/>
           </p:cNvSpPr>
@@ -5463,40 +5606,112 @@
             <p:ph idx="1"/>
           </p:nvPr>
         </p:nvSpPr>
+        <p:spPr>
+          <a:xfrm>
+            <a:off x="541347" y="1583366"/>
+            <a:ext cx="10434364" cy="1227624"/>
+          </a:xfrm>
+        </p:spPr>
+        <p:txBody>
+          <a:bodyPr/>
+          <a:lstStyle/>
+          <a:p>
+            <a:r>
+              <a:rPr lang="en-US" sz="3000" dirty="0" smtClean="0"/>
+              <a:t>Get the student files and the slides</a:t>
+            </a:r>
+          </a:p>
+          <a:p>
+            <a:pPr lvl="1"/>
+            <a:r>
+              <a:rPr lang="en-US" sz="3000" dirty="0"/>
+              <a:t>http://</a:t>
+            </a:r>
+            <a:r>
+              <a:rPr lang="en-US" sz="3000" dirty="0" err="1"/>
+              <a:t>bit.ly</a:t>
+            </a:r>
+            <a:r>
+              <a:rPr lang="en-US" sz="3000" dirty="0"/>
+              <a:t>/1aDeSpP</a:t>
+            </a:r>
+            <a:endParaRPr lang="en-US" sz="3000" dirty="0"/>
+          </a:p>
+        </p:txBody>
+      </p:sp>
+      <p:sp>
+        <p:nvSpPr>
+          <p:cNvPr id="4" name="Slide Number Placeholder 3"/>
+          <p:cNvSpPr>
+            <a:spLocks noGrp="1"/>
+          </p:cNvSpPr>
+          <p:nvPr>
+            <p:ph type="sldNum" sz="quarter" idx="10"/>
+          </p:nvPr>
+        </p:nvSpPr>
         <p:spPr/>
         <p:txBody>
-          <a:bodyPr>
-            <a:normAutofit/>
-          </a:bodyPr>
+          <a:bodyPr/>
           <a:lstStyle/>
           <a:p>
-            <a:r>
-              <a:rPr lang="en-US" sz="3200" dirty="0" smtClean="0"/>
-              <a:t>Content</a:t>
-            </a:r>
-          </a:p>
-          <a:p>
-            <a:endParaRPr lang="en-US" sz="3200" dirty="0"/>
-          </a:p>
-        </p:txBody>
-      </p:sp>
+            <a:pPr>
+              <a:defRPr/>
+            </a:pPr>
+            <a:fld id="{3BEB2E47-3EB2-7B4C-8CBB-96C276A0FE3D}" type="slidenum">
+              <a:rPr lang="en-US" smtClean="0"/>
+              <a:pPr>
+                <a:defRPr/>
+              </a:pPr>
+              <a:t>3</a:t>
+            </a:fld>
+            <a:r>
+              <a:rPr lang="en-US" dirty="0" smtClean="0"/>
+              <a:t> </a:t>
+            </a:r>
+            <a:endParaRPr lang="en-US" dirty="0"/>
+          </a:p>
+        </p:txBody>
+      </p:sp>
+      <p:pic>
+        <p:nvPicPr>
+          <p:cNvPr id="7" name="Picture 6" descr="github.png"/>
+          <p:cNvPicPr>
+            <a:picLocks noChangeAspect="1"/>
+          </p:cNvPicPr>
+          <p:nvPr/>
+        </p:nvPicPr>
+        <p:blipFill>
+          <a:blip r:embed="rId2">
+            <a:extLst>
+              <a:ext uri="{28A0092B-C50C-407E-A947-70E740481C1C}">
+                <a14:useLocalDpi xmlns:a14="http://schemas.microsoft.com/office/drawing/2010/main" val="0"/>
+              </a:ext>
+            </a:extLst>
+          </a:blip>
+          <a:stretch>
+            <a:fillRect/>
+          </a:stretch>
+        </p:blipFill>
+        <p:spPr>
+          <a:xfrm>
+            <a:off x="761460" y="2702057"/>
+            <a:ext cx="10381986" cy="6335110"/>
+          </a:xfrm>
+          <a:prstGeom prst="rect">
+            <a:avLst/>
+          </a:prstGeom>
+        </p:spPr>
+      </p:pic>
     </p:spTree>
     <p:extLst>
       <p:ext uri="{BB962C8B-B14F-4D97-AF65-F5344CB8AC3E}">
-        <p14:creationId xmlns:p14="http://schemas.microsoft.com/office/powerpoint/2010/main" val="2108713422"/>
+        <p14:creationId xmlns:p14="http://schemas.microsoft.com/office/powerpoint/2010/main" val="2001559374"/>
       </p:ext>
     </p:extLst>
   </p:cSld>
   <p:clrMapOvr>
     <a:masterClrMapping/>
   </p:clrMapOvr>
-  <p:timing>
-    <p:tnLst>
-      <p:par>
-        <p:cTn xmlns:p14="http://schemas.microsoft.com/office/powerpoint/2010/main" id="1" dur="indefinite" restart="never" nodeType="tmRoot"/>
-      </p:par>
-    </p:tnLst>
-  </p:timing>
 </p:sld>
 </file>
 
@@ -5570,7 +5785,7 @@
     </p:spTree>
     <p:extLst>
       <p:ext uri="{BB962C8B-B14F-4D97-AF65-F5344CB8AC3E}">
-        <p14:creationId xmlns:p14="http://schemas.microsoft.com/office/powerpoint/2010/main" val="2805855639"/>
+        <p14:creationId xmlns:p14="http://schemas.microsoft.com/office/powerpoint/2010/main" val="2108713422"/>
       </p:ext>
     </p:extLst>
   </p:cSld>
@@ -5657,7 +5872,7 @@
     </p:spTree>
     <p:extLst>
       <p:ext uri="{BB962C8B-B14F-4D97-AF65-F5344CB8AC3E}">
-        <p14:creationId xmlns:p14="http://schemas.microsoft.com/office/powerpoint/2010/main" val="2514608167"/>
+        <p14:creationId xmlns:p14="http://schemas.microsoft.com/office/powerpoint/2010/main" val="2805855639"/>
       </p:ext>
     </p:extLst>
   </p:cSld>
@@ -5693,6 +5908,93 @@
       </p:grpSpPr>
       <p:sp>
         <p:nvSpPr>
+          <p:cNvPr id="3" name="Title 2"/>
+          <p:cNvSpPr>
+            <a:spLocks noGrp="1"/>
+          </p:cNvSpPr>
+          <p:nvPr>
+            <p:ph type="title"/>
+          </p:nvPr>
+        </p:nvSpPr>
+        <p:spPr/>
+        <p:txBody>
+          <a:bodyPr/>
+          <a:lstStyle/>
+          <a:p>
+            <a:r>
+              <a:rPr lang="en-US" dirty="0" smtClean="0"/>
+              <a:t>Title</a:t>
+            </a:r>
+            <a:endParaRPr lang="en-US" dirty="0"/>
+          </a:p>
+        </p:txBody>
+      </p:sp>
+      <p:sp>
+        <p:nvSpPr>
+          <p:cNvPr id="4" name="Content Placeholder 3"/>
+          <p:cNvSpPr>
+            <a:spLocks noGrp="1"/>
+          </p:cNvSpPr>
+          <p:nvPr>
+            <p:ph idx="1"/>
+          </p:nvPr>
+        </p:nvSpPr>
+        <p:spPr/>
+        <p:txBody>
+          <a:bodyPr>
+            <a:normAutofit/>
+          </a:bodyPr>
+          <a:lstStyle/>
+          <a:p>
+            <a:r>
+              <a:rPr lang="en-US" sz="3200" dirty="0" smtClean="0"/>
+              <a:t>Content</a:t>
+            </a:r>
+          </a:p>
+          <a:p>
+            <a:endParaRPr lang="en-US" sz="3200" dirty="0"/>
+          </a:p>
+        </p:txBody>
+      </p:sp>
+    </p:spTree>
+    <p:extLst>
+      <p:ext uri="{BB962C8B-B14F-4D97-AF65-F5344CB8AC3E}">
+        <p14:creationId xmlns:p14="http://schemas.microsoft.com/office/powerpoint/2010/main" val="2514608167"/>
+      </p:ext>
+    </p:extLst>
+  </p:cSld>
+  <p:clrMapOvr>
+    <a:masterClrMapping/>
+  </p:clrMapOvr>
+  <p:timing>
+    <p:tnLst>
+      <p:par>
+        <p:cTn xmlns:p14="http://schemas.microsoft.com/office/powerpoint/2010/main" id="1" dur="indefinite" restart="never" nodeType="tmRoot"/>
+      </p:par>
+    </p:tnLst>
+  </p:timing>
+</p:sld>
+</file>
+
+<file path=ppt/slides/slide7.xml><?xml version="1.0" encoding="utf-8"?>
+<p:sld xmlns:a="http://schemas.openxmlformats.org/drawingml/2006/main" xmlns:r="http://schemas.openxmlformats.org/officeDocument/2006/relationships" xmlns:p="http://schemas.openxmlformats.org/presentationml/2006/main">
+  <p:cSld>
+    <p:spTree>
+      <p:nvGrpSpPr>
+        <p:cNvPr id="1" name=""/>
+        <p:cNvGrpSpPr/>
+        <p:nvPr/>
+      </p:nvGrpSpPr>
+      <p:grpSpPr>
+        <a:xfrm>
+          <a:off x="0" y="0"/>
+          <a:ext cx="0" cy="0"/>
+          <a:chOff x="0" y="0"/>
+          <a:chExt cx="0" cy="0"/>
+        </a:xfrm>
+      </p:grpSpPr>
+      <p:sp>
+        <p:nvSpPr>
           <p:cNvPr id="3" name="Text Placeholder 2"/>
           <p:cNvSpPr>
             <a:spLocks noGrp="1"/>
@@ -5767,7 +6069,7 @@
               <a:pPr>
                 <a:defRPr/>
               </a:pPr>
-              <a:t>6</a:t>
+              <a:t>7</a:t>
             </a:fld>
             <a:endParaRPr lang="en-US" dirty="0"/>
           </a:p>

--- a/VideoSessionsMaterials/setting-up.pptx
+++ b/VideoSessionsMaterials/setting-up.pptx
@@ -1,20 +1,18 @@
 
 <file path=ppt/presentation.xml><?xml version="1.0" encoding="utf-8"?>
-<p:presentation xmlns:a="http://schemas.openxmlformats.org/drawingml/2006/main" xmlns:r="http://schemas.openxmlformats.org/officeDocument/2006/relationships" xmlns:p="http://schemas.openxmlformats.org/presentationml/2006/main" showSpecialPlsOnTitleSld="0" saveSubsetFonts="1" autoCompressPictures="0">
+<p:presentation xmlns:a="http://schemas.openxmlformats.org/drawingml/2006/main" xmlns:r="http://schemas.openxmlformats.org/officeDocument/2006/relationships" xmlns:mc="http://schemas.openxmlformats.org/markup-compatibility/2006" xmlns:mv="urn:schemas-microsoft-com:mac:vml" xmlns:p="http://schemas.openxmlformats.org/presentationml/2006/main" mc:Ignorable="mv" mc:PreserveAttributes="mv:*" showSpecialPlsOnTitleSld="0" saveSubsetFonts="1" autoCompressPictures="0">
   <p:sldMasterIdLst>
     <p:sldMasterId id="2147483648" r:id="rId1"/>
   </p:sldMasterIdLst>
   <p:notesMasterIdLst>
-    <p:notesMasterId r:id="rId9"/>
+    <p:notesMasterId r:id="rId7"/>
   </p:notesMasterIdLst>
   <p:sldIdLst>
     <p:sldId id="364" r:id="rId2"/>
     <p:sldId id="326" r:id="rId3"/>
-    <p:sldId id="370" r:id="rId4"/>
-    <p:sldId id="367" r:id="rId5"/>
-    <p:sldId id="368" r:id="rId6"/>
-    <p:sldId id="369" r:id="rId7"/>
-    <p:sldId id="322" r:id="rId8"/>
+    <p:sldId id="371" r:id="rId4"/>
+    <p:sldId id="370" r:id="rId5"/>
+    <p:sldId id="322" r:id="rId6"/>
   </p:sldIdLst>
   <p:sldSz cx="17327563" cy="9747250"/>
   <p:notesSz cx="6858000" cy="9144000"/>
@@ -147,7 +145,7 @@
 </file>
 
 <file path=ppt/notesMasters/notesMaster1.xml><?xml version="1.0" encoding="utf-8"?>
-<p:notesMaster xmlns:a="http://schemas.openxmlformats.org/drawingml/2006/main" xmlns:r="http://schemas.openxmlformats.org/officeDocument/2006/relationships" xmlns:p="http://schemas.openxmlformats.org/presentationml/2006/main">
+<p:notesMaster xmlns:a="http://schemas.openxmlformats.org/drawingml/2006/main" xmlns:r="http://schemas.openxmlformats.org/officeDocument/2006/relationships" xmlns:mc="http://schemas.openxmlformats.org/markup-compatibility/2006" xmlns:mv="urn:schemas-microsoft-com:mac:vml" xmlns:p="http://schemas.openxmlformats.org/presentationml/2006/main" mc:Ignorable="mv" mc:PreserveAttributes="mv:*">
   <p:cSld>
     <p:bg>
       <p:bgRef idx="1001">
@@ -229,7 +227,7 @@
             <a:fld id="{DDC063FE-8627-9A42-970F-0BBEEB02B587}" type="datetimeFigureOut">
               <a:rPr lang="en-US" smtClean="0"/>
               <a:pPr/>
-              <a:t>12/5/13</a:t>
+              <a:t>12/6/13</a:t>
             </a:fld>
             <a:endParaRPr lang="en-US" dirty="0"/>
           </a:p>
@@ -398,7 +396,7 @@
     </p:spTree>
     <p:extLst>
       <p:ext uri="{BB962C8B-B14F-4D97-AF65-F5344CB8AC3E}">
-        <p14:creationId xmlns:p14="http://schemas.microsoft.com/office/powerpoint/2010/main" val="4045051341"/>
+        <p14:creationId xmlns:p14="http://schemas.microsoft.com/office/powerpoint/2010/main" xmlns:p="http://schemas.openxmlformats.org/presentationml/2006/main" xmlns:r="http://schemas.openxmlformats.org/officeDocument/2006/relationships" xmlns:a="http://schemas.openxmlformats.org/drawingml/2006/main" xmlns="" val="4045051341"/>
       </p:ext>
     </p:extLst>
   </p:cSld>
@@ -499,7 +497,7 @@
 </file>
 
 <file path=ppt/notesSlides/notesSlide1.xml><?xml version="1.0" encoding="utf-8"?>
-<p:notes xmlns:a="http://schemas.openxmlformats.org/drawingml/2006/main" xmlns:r="http://schemas.openxmlformats.org/officeDocument/2006/relationships" xmlns:p="http://schemas.openxmlformats.org/presentationml/2006/main">
+<p:notes xmlns:a="http://schemas.openxmlformats.org/drawingml/2006/main" xmlns:r="http://schemas.openxmlformats.org/officeDocument/2006/relationships" xmlns:mc="http://schemas.openxmlformats.org/markup-compatibility/2006" xmlns:mv="urn:schemas-microsoft-com:mac:vml" xmlns:p="http://schemas.openxmlformats.org/presentationml/2006/main" mc:Ignorable="mv" mc:PreserveAttributes="mv:*">
   <p:cSld>
     <p:spTree>
       <p:nvGrpSpPr>
@@ -573,7 +571,7 @@
     </p:spTree>
     <p:extLst>
       <p:ext uri="{BB962C8B-B14F-4D97-AF65-F5344CB8AC3E}">
-        <p14:creationId xmlns:p14="http://schemas.microsoft.com/office/powerpoint/2010/main" val="3250658828"/>
+        <p14:creationId xmlns:p14="http://schemas.microsoft.com/office/powerpoint/2010/main" xmlns:p="http://schemas.openxmlformats.org/presentationml/2006/main" xmlns:r="http://schemas.openxmlformats.org/officeDocument/2006/relationships" xmlns:a="http://schemas.openxmlformats.org/drawingml/2006/main" xmlns="" val="3250658828"/>
       </p:ext>
     </p:extLst>
   </p:cSld>
@@ -584,7 +582,7 @@
 </file>
 
 <file path=ppt/notesSlides/notesSlide2.xml><?xml version="1.0" encoding="utf-8"?>
-<p:notes xmlns:a="http://schemas.openxmlformats.org/drawingml/2006/main" xmlns:r="http://schemas.openxmlformats.org/officeDocument/2006/relationships" xmlns:p="http://schemas.openxmlformats.org/presentationml/2006/main">
+<p:notes xmlns:a="http://schemas.openxmlformats.org/drawingml/2006/main" xmlns:r="http://schemas.openxmlformats.org/officeDocument/2006/relationships" xmlns:mc="http://schemas.openxmlformats.org/markup-compatibility/2006" xmlns:mv="urn:schemas-microsoft-com:mac:vml" xmlns:p="http://schemas.openxmlformats.org/presentationml/2006/main" mc:Ignorable="mv" mc:PreserveAttributes="mv:*">
   <p:cSld>
     <p:spTree>
       <p:nvGrpSpPr>
@@ -658,7 +656,7 @@
     </p:spTree>
     <p:extLst>
       <p:ext uri="{BB962C8B-B14F-4D97-AF65-F5344CB8AC3E}">
-        <p14:creationId xmlns:p14="http://schemas.microsoft.com/office/powerpoint/2010/main" val="963676054"/>
+        <p14:creationId xmlns:p14="http://schemas.microsoft.com/office/powerpoint/2010/main" xmlns:p="http://schemas.openxmlformats.org/presentationml/2006/main" xmlns:r="http://schemas.openxmlformats.org/officeDocument/2006/relationships" xmlns:a="http://schemas.openxmlformats.org/drawingml/2006/main" xmlns="" val="963676054"/>
       </p:ext>
     </p:extLst>
   </p:cSld>
@@ -669,7 +667,7 @@
 </file>
 
 <file path=ppt/notesSlides/notesSlide3.xml><?xml version="1.0" encoding="utf-8"?>
-<p:notes xmlns:a="http://schemas.openxmlformats.org/drawingml/2006/main" xmlns:r="http://schemas.openxmlformats.org/officeDocument/2006/relationships" xmlns:p="http://schemas.openxmlformats.org/presentationml/2006/main">
+<p:notes xmlns:a="http://schemas.openxmlformats.org/drawingml/2006/main" xmlns:r="http://schemas.openxmlformats.org/officeDocument/2006/relationships" xmlns:mc="http://schemas.openxmlformats.org/markup-compatibility/2006" xmlns:mv="urn:schemas-microsoft-com:mac:vml" xmlns:p="http://schemas.openxmlformats.org/presentationml/2006/main" mc:Ignorable="mv" mc:PreserveAttributes="mv:*">
   <p:cSld>
     <p:spTree>
       <p:nvGrpSpPr>
@@ -734,7 +732,7 @@
             <a:fld id="{3560C2FB-C494-1A46-A471-884A4E75440F}" type="slidenum">
               <a:rPr lang="en-US" smtClean="0"/>
               <a:pPr/>
-              <a:t>4</a:t>
+              <a:t>3</a:t>
             </a:fld>
             <a:endParaRPr lang="en-US" dirty="0"/>
           </a:p>
@@ -743,7 +741,7 @@
     </p:spTree>
     <p:extLst>
       <p:ext uri="{BB962C8B-B14F-4D97-AF65-F5344CB8AC3E}">
-        <p14:creationId xmlns:p14="http://schemas.microsoft.com/office/powerpoint/2010/main" val="963676054"/>
+        <p14:creationId xmlns:p14="http://schemas.microsoft.com/office/powerpoint/2010/main" xmlns:p="http://schemas.openxmlformats.org/presentationml/2006/main" xmlns:r="http://schemas.openxmlformats.org/officeDocument/2006/relationships" xmlns:a="http://schemas.openxmlformats.org/drawingml/2006/main" xmlns="" val="963676054"/>
       </p:ext>
     </p:extLst>
   </p:cSld>
@@ -754,7 +752,7 @@
 </file>
 
 <file path=ppt/notesSlides/notesSlide4.xml><?xml version="1.0" encoding="utf-8"?>
-<p:notes xmlns:a="http://schemas.openxmlformats.org/drawingml/2006/main" xmlns:r="http://schemas.openxmlformats.org/officeDocument/2006/relationships" xmlns:p="http://schemas.openxmlformats.org/presentationml/2006/main">
+<p:notes xmlns:a="http://schemas.openxmlformats.org/drawingml/2006/main" xmlns:r="http://schemas.openxmlformats.org/officeDocument/2006/relationships" xmlns:mc="http://schemas.openxmlformats.org/markup-compatibility/2006" xmlns:mv="urn:schemas-microsoft-com:mac:vml" xmlns:p="http://schemas.openxmlformats.org/presentationml/2006/main" mc:Ignorable="mv" mc:PreserveAttributes="mv:*">
   <p:cSld>
     <p:spTree>
       <p:nvGrpSpPr>
@@ -828,177 +826,7 @@
     </p:spTree>
     <p:extLst>
       <p:ext uri="{BB962C8B-B14F-4D97-AF65-F5344CB8AC3E}">
-        <p14:creationId xmlns:p14="http://schemas.microsoft.com/office/powerpoint/2010/main" val="963676054"/>
-      </p:ext>
-    </p:extLst>
-  </p:cSld>
-  <p:clrMapOvr>
-    <a:masterClrMapping/>
-  </p:clrMapOvr>
-</p:notes>
-</file>
-
-<file path=ppt/notesSlides/notesSlide5.xml><?xml version="1.0" encoding="utf-8"?>
-<p:notes xmlns:a="http://schemas.openxmlformats.org/drawingml/2006/main" xmlns:r="http://schemas.openxmlformats.org/officeDocument/2006/relationships" xmlns:p="http://schemas.openxmlformats.org/presentationml/2006/main">
-  <p:cSld>
-    <p:spTree>
-      <p:nvGrpSpPr>
-        <p:cNvPr id="1" name=""/>
-        <p:cNvGrpSpPr/>
-        <p:nvPr/>
-      </p:nvGrpSpPr>
-      <p:grpSpPr>
-        <a:xfrm>
-          <a:off x="0" y="0"/>
-          <a:ext cx="0" cy="0"/>
-          <a:chOff x="0" y="0"/>
-          <a:chExt cx="0" cy="0"/>
-        </a:xfrm>
-      </p:grpSpPr>
-      <p:sp>
-        <p:nvSpPr>
-          <p:cNvPr id="2" name="Slide Image Placeholder 1"/>
-          <p:cNvSpPr>
-            <a:spLocks noGrp="1" noRot="1" noChangeAspect="1"/>
-          </p:cNvSpPr>
-          <p:nvPr>
-            <p:ph type="sldImg"/>
-          </p:nvPr>
-        </p:nvSpPr>
-        <p:spPr/>
-      </p:sp>
-      <p:sp>
-        <p:nvSpPr>
-          <p:cNvPr id="3" name="Notes Placeholder 2"/>
-          <p:cNvSpPr>
-            <a:spLocks noGrp="1"/>
-          </p:cNvSpPr>
-          <p:nvPr>
-            <p:ph type="body" idx="1"/>
-          </p:nvPr>
-        </p:nvSpPr>
-        <p:spPr/>
-        <p:txBody>
-          <a:bodyPr/>
-          <a:lstStyle/>
-          <a:p>
-            <a:endParaRPr lang="en-US"/>
-          </a:p>
-        </p:txBody>
-      </p:sp>
-      <p:sp>
-        <p:nvSpPr>
-          <p:cNvPr id="4" name="Slide Number Placeholder 3"/>
-          <p:cNvSpPr>
-            <a:spLocks noGrp="1"/>
-          </p:cNvSpPr>
-          <p:nvPr>
-            <p:ph type="sldNum" sz="quarter" idx="10"/>
-          </p:nvPr>
-        </p:nvSpPr>
-        <p:spPr/>
-        <p:txBody>
-          <a:bodyPr/>
-          <a:lstStyle/>
-          <a:p>
-            <a:fld id="{3560C2FB-C494-1A46-A471-884A4E75440F}" type="slidenum">
-              <a:rPr lang="en-US" smtClean="0"/>
-              <a:pPr/>
-              <a:t>6</a:t>
-            </a:fld>
-            <a:endParaRPr lang="en-US" dirty="0"/>
-          </a:p>
-        </p:txBody>
-      </p:sp>
-    </p:spTree>
-    <p:extLst>
-      <p:ext uri="{BB962C8B-B14F-4D97-AF65-F5344CB8AC3E}">
-        <p14:creationId xmlns:p14="http://schemas.microsoft.com/office/powerpoint/2010/main" val="963676054"/>
-      </p:ext>
-    </p:extLst>
-  </p:cSld>
-  <p:clrMapOvr>
-    <a:masterClrMapping/>
-  </p:clrMapOvr>
-</p:notes>
-</file>
-
-<file path=ppt/notesSlides/notesSlide6.xml><?xml version="1.0" encoding="utf-8"?>
-<p:notes xmlns:a="http://schemas.openxmlformats.org/drawingml/2006/main" xmlns:r="http://schemas.openxmlformats.org/officeDocument/2006/relationships" xmlns:p="http://schemas.openxmlformats.org/presentationml/2006/main">
-  <p:cSld>
-    <p:spTree>
-      <p:nvGrpSpPr>
-        <p:cNvPr id="1" name=""/>
-        <p:cNvGrpSpPr/>
-        <p:nvPr/>
-      </p:nvGrpSpPr>
-      <p:grpSpPr>
-        <a:xfrm>
-          <a:off x="0" y="0"/>
-          <a:ext cx="0" cy="0"/>
-          <a:chOff x="0" y="0"/>
-          <a:chExt cx="0" cy="0"/>
-        </a:xfrm>
-      </p:grpSpPr>
-      <p:sp>
-        <p:nvSpPr>
-          <p:cNvPr id="2" name="Slide Image Placeholder 1"/>
-          <p:cNvSpPr>
-            <a:spLocks noGrp="1" noRot="1" noChangeAspect="1"/>
-          </p:cNvSpPr>
-          <p:nvPr>
-            <p:ph type="sldImg"/>
-          </p:nvPr>
-        </p:nvSpPr>
-        <p:spPr/>
-      </p:sp>
-      <p:sp>
-        <p:nvSpPr>
-          <p:cNvPr id="3" name="Notes Placeholder 2"/>
-          <p:cNvSpPr>
-            <a:spLocks noGrp="1"/>
-          </p:cNvSpPr>
-          <p:nvPr>
-            <p:ph type="body" idx="1"/>
-          </p:nvPr>
-        </p:nvSpPr>
-        <p:spPr/>
-        <p:txBody>
-          <a:bodyPr/>
-          <a:lstStyle/>
-          <a:p>
-            <a:endParaRPr lang="en-US"/>
-          </a:p>
-        </p:txBody>
-      </p:sp>
-      <p:sp>
-        <p:nvSpPr>
-          <p:cNvPr id="4" name="Slide Number Placeholder 3"/>
-          <p:cNvSpPr>
-            <a:spLocks noGrp="1"/>
-          </p:cNvSpPr>
-          <p:nvPr>
-            <p:ph type="sldNum" sz="quarter" idx="10"/>
-          </p:nvPr>
-        </p:nvSpPr>
-        <p:spPr/>
-        <p:txBody>
-          <a:bodyPr/>
-          <a:lstStyle/>
-          <a:p>
-            <a:fld id="{3560C2FB-C494-1A46-A471-884A4E75440F}" type="slidenum">
-              <a:rPr lang="en-US" smtClean="0"/>
-              <a:pPr/>
-              <a:t>7</a:t>
-            </a:fld>
-            <a:endParaRPr lang="en-US" dirty="0"/>
-          </a:p>
-        </p:txBody>
-      </p:sp>
-    </p:spTree>
-    <p:extLst>
-      <p:ext uri="{BB962C8B-B14F-4D97-AF65-F5344CB8AC3E}">
-        <p14:creationId xmlns:p14="http://schemas.microsoft.com/office/powerpoint/2010/main" val="1443086944"/>
+        <p14:creationId xmlns:p14="http://schemas.microsoft.com/office/powerpoint/2010/main" xmlns:p="http://schemas.openxmlformats.org/presentationml/2006/main" xmlns:r="http://schemas.openxmlformats.org/officeDocument/2006/relationships" xmlns:a="http://schemas.openxmlformats.org/drawingml/2006/main" xmlns="" val="1443086944"/>
       </p:ext>
     </p:extLst>
   </p:cSld>
@@ -1009,7 +837,7 @@
 </file>
 
 <file path=ppt/slideLayouts/slideLayout1.xml><?xml version="1.0" encoding="utf-8"?>
-<p:sldLayout xmlns:a="http://schemas.openxmlformats.org/drawingml/2006/main" xmlns:r="http://schemas.openxmlformats.org/officeDocument/2006/relationships" xmlns:p="http://schemas.openxmlformats.org/presentationml/2006/main" type="title" preserve="1">
+<p:sldLayout xmlns:a="http://schemas.openxmlformats.org/drawingml/2006/main" xmlns:r="http://schemas.openxmlformats.org/officeDocument/2006/relationships" xmlns:mc="http://schemas.openxmlformats.org/markup-compatibility/2006" xmlns:mv="urn:schemas-microsoft-com:mac:vml" xmlns:p="http://schemas.openxmlformats.org/presentationml/2006/main" mc:Ignorable="mv" mc:PreserveAttributes="mv:*" type="title" preserve="1">
   <p:cSld name="Title Slide">
     <p:bg>
       <p:bgPr>
@@ -1233,7 +1061,7 @@
 </file>
 
 <file path=ppt/slideLayouts/slideLayout10.xml><?xml version="1.0" encoding="utf-8"?>
-<p:sldLayout xmlns:a="http://schemas.openxmlformats.org/drawingml/2006/main" xmlns:r="http://schemas.openxmlformats.org/officeDocument/2006/relationships" xmlns:p="http://schemas.openxmlformats.org/presentationml/2006/main" preserve="1" userDrawn="1">
+<p:sldLayout xmlns:a="http://schemas.openxmlformats.org/drawingml/2006/main" xmlns:r="http://schemas.openxmlformats.org/officeDocument/2006/relationships" xmlns:mc="http://schemas.openxmlformats.org/markup-compatibility/2006" xmlns:mv="urn:schemas-microsoft-com:mac:vml" xmlns:p="http://schemas.openxmlformats.org/presentationml/2006/main" mc:Ignorable="mv" mc:PreserveAttributes="mv:*" preserve="1" userDrawn="1">
   <p:cSld name="Impact Slide - Pink">
     <p:bg>
       <p:bgPr>
@@ -1306,7 +1134,7 @@
 </file>
 
 <file path=ppt/slideLayouts/slideLayout11.xml><?xml version="1.0" encoding="utf-8"?>
-<p:sldLayout xmlns:a="http://schemas.openxmlformats.org/drawingml/2006/main" xmlns:r="http://schemas.openxmlformats.org/officeDocument/2006/relationships" xmlns:p="http://schemas.openxmlformats.org/presentationml/2006/main" preserve="1" userDrawn="1">
+<p:sldLayout xmlns:a="http://schemas.openxmlformats.org/drawingml/2006/main" xmlns:r="http://schemas.openxmlformats.org/officeDocument/2006/relationships" xmlns:mc="http://schemas.openxmlformats.org/markup-compatibility/2006" xmlns:mv="urn:schemas-microsoft-com:mac:vml" xmlns:p="http://schemas.openxmlformats.org/presentationml/2006/main" mc:Ignorable="mv" mc:PreserveAttributes="mv:*" preserve="1" userDrawn="1">
   <p:cSld name="Quote Slide - Neutral">
     <p:bg>
       <p:bgPr>
@@ -1465,7 +1293,7 @@
 </file>
 
 <file path=ppt/slideLayouts/slideLayout12.xml><?xml version="1.0" encoding="utf-8"?>
-<p:sldLayout xmlns:a="http://schemas.openxmlformats.org/drawingml/2006/main" xmlns:r="http://schemas.openxmlformats.org/officeDocument/2006/relationships" xmlns:p="http://schemas.openxmlformats.org/presentationml/2006/main" preserve="1" userDrawn="1">
+<p:sldLayout xmlns:a="http://schemas.openxmlformats.org/drawingml/2006/main" xmlns:r="http://schemas.openxmlformats.org/officeDocument/2006/relationships" xmlns:mc="http://schemas.openxmlformats.org/markup-compatibility/2006" xmlns:mv="urn:schemas-microsoft-com:mac:vml" xmlns:p="http://schemas.openxmlformats.org/presentationml/2006/main" mc:Ignorable="mv" mc:PreserveAttributes="mv:*" preserve="1" userDrawn="1">
   <p:cSld name="Quote Slide - Teal">
     <p:bg>
       <p:bgPr>
@@ -1618,7 +1446,7 @@
 </file>
 
 <file path=ppt/slideLayouts/slideLayout13.xml><?xml version="1.0" encoding="utf-8"?>
-<p:sldLayout xmlns:a="http://schemas.openxmlformats.org/drawingml/2006/main" xmlns:r="http://schemas.openxmlformats.org/officeDocument/2006/relationships" xmlns:p="http://schemas.openxmlformats.org/presentationml/2006/main" preserve="1" userDrawn="1">
+<p:sldLayout xmlns:a="http://schemas.openxmlformats.org/drawingml/2006/main" xmlns:r="http://schemas.openxmlformats.org/officeDocument/2006/relationships" xmlns:mc="http://schemas.openxmlformats.org/markup-compatibility/2006" xmlns:mv="urn:schemas-microsoft-com:mac:vml" xmlns:p="http://schemas.openxmlformats.org/presentationml/2006/main" mc:Ignorable="mv" mc:PreserveAttributes="mv:*" preserve="1" userDrawn="1">
   <p:cSld name="Quote Slide - Green">
     <p:bg>
       <p:bgPr>
@@ -1771,7 +1599,7 @@
 </file>
 
 <file path=ppt/slideLayouts/slideLayout14.xml><?xml version="1.0" encoding="utf-8"?>
-<p:sldLayout xmlns:a="http://schemas.openxmlformats.org/drawingml/2006/main" xmlns:r="http://schemas.openxmlformats.org/officeDocument/2006/relationships" xmlns:p="http://schemas.openxmlformats.org/presentationml/2006/main" preserve="1" userDrawn="1">
+<p:sldLayout xmlns:a="http://schemas.openxmlformats.org/drawingml/2006/main" xmlns:r="http://schemas.openxmlformats.org/officeDocument/2006/relationships" xmlns:mc="http://schemas.openxmlformats.org/markup-compatibility/2006" xmlns:mv="urn:schemas-microsoft-com:mac:vml" xmlns:p="http://schemas.openxmlformats.org/presentationml/2006/main" mc:Ignorable="mv" mc:PreserveAttributes="mv:*" preserve="1" userDrawn="1">
   <p:cSld name="Orange Quote Slide">
     <p:bg>
       <p:bgPr>
@@ -1924,7 +1752,7 @@
 </file>
 
 <file path=ppt/slideLayouts/slideLayout15.xml><?xml version="1.0" encoding="utf-8"?>
-<p:sldLayout xmlns:a="http://schemas.openxmlformats.org/drawingml/2006/main" xmlns:r="http://schemas.openxmlformats.org/officeDocument/2006/relationships" xmlns:p="http://schemas.openxmlformats.org/presentationml/2006/main" preserve="1" userDrawn="1">
+<p:sldLayout xmlns:a="http://schemas.openxmlformats.org/drawingml/2006/main" xmlns:r="http://schemas.openxmlformats.org/officeDocument/2006/relationships" xmlns:mc="http://schemas.openxmlformats.org/markup-compatibility/2006" xmlns:mv="urn:schemas-microsoft-com:mac:vml" xmlns:p="http://schemas.openxmlformats.org/presentationml/2006/main" mc:Ignorable="mv" mc:PreserveAttributes="mv:*" preserve="1" userDrawn="1">
   <p:cSld name="Quote Slide - Pink">
     <p:bg>
       <p:bgPr>
@@ -2077,7 +1905,7 @@
 </file>
 
 <file path=ppt/slideLayouts/slideLayout16.xml><?xml version="1.0" encoding="utf-8"?>
-<p:sldLayout xmlns:a="http://schemas.openxmlformats.org/drawingml/2006/main" xmlns:r="http://schemas.openxmlformats.org/officeDocument/2006/relationships" xmlns:p="http://schemas.openxmlformats.org/presentationml/2006/main" preserve="1" userDrawn="1">
+<p:sldLayout xmlns:a="http://schemas.openxmlformats.org/drawingml/2006/main" xmlns:r="http://schemas.openxmlformats.org/officeDocument/2006/relationships" xmlns:mc="http://schemas.openxmlformats.org/markup-compatibility/2006" xmlns:mv="urn:schemas-microsoft-com:mac:vml" xmlns:p="http://schemas.openxmlformats.org/presentationml/2006/main" mc:Ignorable="mv" mc:PreserveAttributes="mv:*" preserve="1" userDrawn="1">
   <p:cSld name="Thank You - Teal">
     <p:bg>
       <p:bgPr>
@@ -2208,7 +2036,7 @@
 </file>
 
 <file path=ppt/slideLayouts/slideLayout17.xml><?xml version="1.0" encoding="utf-8"?>
-<p:sldLayout xmlns:a="http://schemas.openxmlformats.org/drawingml/2006/main" xmlns:r="http://schemas.openxmlformats.org/officeDocument/2006/relationships" xmlns:p="http://schemas.openxmlformats.org/presentationml/2006/main" preserve="1" userDrawn="1">
+<p:sldLayout xmlns:a="http://schemas.openxmlformats.org/drawingml/2006/main" xmlns:r="http://schemas.openxmlformats.org/officeDocument/2006/relationships" xmlns:mc="http://schemas.openxmlformats.org/markup-compatibility/2006" xmlns:mv="urn:schemas-microsoft-com:mac:vml" xmlns:p="http://schemas.openxmlformats.org/presentationml/2006/main" mc:Ignorable="mv" mc:PreserveAttributes="mv:*" preserve="1" userDrawn="1">
   <p:cSld name="Thank You - Green">
     <p:bg>
       <p:bgPr>
@@ -2339,7 +2167,7 @@
 </file>
 
 <file path=ppt/slideLayouts/slideLayout18.xml><?xml version="1.0" encoding="utf-8"?>
-<p:sldLayout xmlns:a="http://schemas.openxmlformats.org/drawingml/2006/main" xmlns:r="http://schemas.openxmlformats.org/officeDocument/2006/relationships" xmlns:p="http://schemas.openxmlformats.org/presentationml/2006/main" userDrawn="1">
+<p:sldLayout xmlns:a="http://schemas.openxmlformats.org/drawingml/2006/main" xmlns:r="http://schemas.openxmlformats.org/officeDocument/2006/relationships" xmlns:mc="http://schemas.openxmlformats.org/markup-compatibility/2006" xmlns:mv="urn:schemas-microsoft-com:mac:vml" xmlns:p="http://schemas.openxmlformats.org/presentationml/2006/main" mc:Ignorable="mv" mc:PreserveAttributes="mv:*" userDrawn="1">
   <p:cSld name="Thank You - Orange">
     <p:bg>
       <p:bgPr>
@@ -2470,7 +2298,7 @@
 </file>
 
 <file path=ppt/slideLayouts/slideLayout19.xml><?xml version="1.0" encoding="utf-8"?>
-<p:sldLayout xmlns:a="http://schemas.openxmlformats.org/drawingml/2006/main" xmlns:r="http://schemas.openxmlformats.org/officeDocument/2006/relationships" xmlns:p="http://schemas.openxmlformats.org/presentationml/2006/main" userDrawn="1">
+<p:sldLayout xmlns:a="http://schemas.openxmlformats.org/drawingml/2006/main" xmlns:r="http://schemas.openxmlformats.org/officeDocument/2006/relationships" xmlns:mc="http://schemas.openxmlformats.org/markup-compatibility/2006" xmlns:mv="urn:schemas-microsoft-com:mac:vml" xmlns:p="http://schemas.openxmlformats.org/presentationml/2006/main" mc:Ignorable="mv" mc:PreserveAttributes="mv:*" userDrawn="1">
   <p:cSld name="Thank You - Pink">
     <p:bg>
       <p:bgPr>
@@ -2601,7 +2429,7 @@
 </file>
 
 <file path=ppt/slideLayouts/slideLayout2.xml><?xml version="1.0" encoding="utf-8"?>
-<p:sldLayout xmlns:a="http://schemas.openxmlformats.org/drawingml/2006/main" xmlns:r="http://schemas.openxmlformats.org/officeDocument/2006/relationships" xmlns:p="http://schemas.openxmlformats.org/presentationml/2006/main" preserve="1" userDrawn="1">
+<p:sldLayout xmlns:a="http://schemas.openxmlformats.org/drawingml/2006/main" xmlns:r="http://schemas.openxmlformats.org/officeDocument/2006/relationships" xmlns:mc="http://schemas.openxmlformats.org/markup-compatibility/2006" xmlns:mv="urn:schemas-microsoft-com:mac:vml" xmlns:p="http://schemas.openxmlformats.org/presentationml/2006/main" mc:Ignorable="mv" mc:PreserveAttributes="mv:*" preserve="1" userDrawn="1">
   <p:cSld name="Title and Single Element">
     <p:spTree>
       <p:nvGrpSpPr>
@@ -2932,7 +2760,7 @@
 </file>
 
 <file path=ppt/slideLayouts/slideLayout3.xml><?xml version="1.0" encoding="utf-8"?>
-<p:sldLayout xmlns:a="http://schemas.openxmlformats.org/drawingml/2006/main" xmlns:r="http://schemas.openxmlformats.org/officeDocument/2006/relationships" xmlns:p="http://schemas.openxmlformats.org/presentationml/2006/main" preserve="1" userDrawn="1">
+<p:sldLayout xmlns:a="http://schemas.openxmlformats.org/drawingml/2006/main" xmlns:r="http://schemas.openxmlformats.org/officeDocument/2006/relationships" xmlns:mc="http://schemas.openxmlformats.org/markup-compatibility/2006" xmlns:mv="urn:schemas-microsoft-com:mac:vml" xmlns:p="http://schemas.openxmlformats.org/presentationml/2006/main" mc:Ignorable="mv" mc:PreserveAttributes="mv:*" preserve="1" userDrawn="1">
   <p:cSld name="Title and Two Element">
     <p:spTree>
       <p:nvGrpSpPr>
@@ -3324,7 +3152,7 @@
 </file>
 
 <file path=ppt/slideLayouts/slideLayout4.xml><?xml version="1.0" encoding="utf-8"?>
-<p:sldLayout xmlns:a="http://schemas.openxmlformats.org/drawingml/2006/main" xmlns:r="http://schemas.openxmlformats.org/officeDocument/2006/relationships" xmlns:p="http://schemas.openxmlformats.org/presentationml/2006/main" preserve="1" userDrawn="1">
+<p:sldLayout xmlns:a="http://schemas.openxmlformats.org/drawingml/2006/main" xmlns:r="http://schemas.openxmlformats.org/officeDocument/2006/relationships" xmlns:mc="http://schemas.openxmlformats.org/markup-compatibility/2006" xmlns:mv="urn:schemas-microsoft-com:mac:vml" xmlns:p="http://schemas.openxmlformats.org/presentationml/2006/main" mc:Ignorable="mv" mc:PreserveAttributes="mv:*" preserve="1" userDrawn="1">
   <p:cSld name="Title Only and Blank">
     <p:spTree>
       <p:nvGrpSpPr>
@@ -3598,7 +3426,7 @@
 </file>
 
 <file path=ppt/slideLayouts/slideLayout5.xml><?xml version="1.0" encoding="utf-8"?>
-<p:sldLayout xmlns:a="http://schemas.openxmlformats.org/drawingml/2006/main" xmlns:r="http://schemas.openxmlformats.org/officeDocument/2006/relationships" xmlns:p="http://schemas.openxmlformats.org/presentationml/2006/main" userDrawn="1">
+<p:sldLayout xmlns:a="http://schemas.openxmlformats.org/drawingml/2006/main" xmlns:r="http://schemas.openxmlformats.org/officeDocument/2006/relationships" xmlns:mc="http://schemas.openxmlformats.org/markup-compatibility/2006" xmlns:mv="urn:schemas-microsoft-com:mac:vml" xmlns:p="http://schemas.openxmlformats.org/presentationml/2006/main" mc:Ignorable="mv" mc:PreserveAttributes="mv:*" userDrawn="1">
   <p:cSld name="Left Text and Right Image">
     <p:spTree>
       <p:nvGrpSpPr>
@@ -3959,7 +3787,7 @@
 </file>
 
 <file path=ppt/slideLayouts/slideLayout6.xml><?xml version="1.0" encoding="utf-8"?>
-<p:sldLayout xmlns:a="http://schemas.openxmlformats.org/drawingml/2006/main" xmlns:r="http://schemas.openxmlformats.org/officeDocument/2006/relationships" xmlns:p="http://schemas.openxmlformats.org/presentationml/2006/main" preserve="1" userDrawn="1">
+<p:sldLayout xmlns:a="http://schemas.openxmlformats.org/drawingml/2006/main" xmlns:r="http://schemas.openxmlformats.org/officeDocument/2006/relationships" xmlns:mc="http://schemas.openxmlformats.org/markup-compatibility/2006" xmlns:mv="urn:schemas-microsoft-com:mac:vml" xmlns:p="http://schemas.openxmlformats.org/presentationml/2006/main" mc:Ignorable="mv" mc:PreserveAttributes="mv:*" preserve="1" userDrawn="1">
   <p:cSld name="Left Image and Right Text">
     <p:spTree>
       <p:nvGrpSpPr>
@@ -4320,7 +4148,7 @@
 </file>
 
 <file path=ppt/slideLayouts/slideLayout7.xml><?xml version="1.0" encoding="utf-8"?>
-<p:sldLayout xmlns:a="http://schemas.openxmlformats.org/drawingml/2006/main" xmlns:r="http://schemas.openxmlformats.org/officeDocument/2006/relationships" xmlns:p="http://schemas.openxmlformats.org/presentationml/2006/main" preserve="1" userDrawn="1">
+<p:sldLayout xmlns:a="http://schemas.openxmlformats.org/drawingml/2006/main" xmlns:r="http://schemas.openxmlformats.org/officeDocument/2006/relationships" xmlns:mc="http://schemas.openxmlformats.org/markup-compatibility/2006" xmlns:mv="urn:schemas-microsoft-com:mac:vml" xmlns:p="http://schemas.openxmlformats.org/presentationml/2006/main" mc:Ignorable="mv" mc:PreserveAttributes="mv:*" preserve="1" userDrawn="1">
   <p:cSld name="Impact Slide - Teal">
     <p:bg>
       <p:bgPr>
@@ -4415,7 +4243,7 @@
 </file>
 
 <file path=ppt/slideLayouts/slideLayout8.xml><?xml version="1.0" encoding="utf-8"?>
-<p:sldLayout xmlns:a="http://schemas.openxmlformats.org/drawingml/2006/main" xmlns:r="http://schemas.openxmlformats.org/officeDocument/2006/relationships" xmlns:p="http://schemas.openxmlformats.org/presentationml/2006/main" preserve="1" userDrawn="1">
+<p:sldLayout xmlns:a="http://schemas.openxmlformats.org/drawingml/2006/main" xmlns:r="http://schemas.openxmlformats.org/officeDocument/2006/relationships" xmlns:mc="http://schemas.openxmlformats.org/markup-compatibility/2006" xmlns:mv="urn:schemas-microsoft-com:mac:vml" xmlns:p="http://schemas.openxmlformats.org/presentationml/2006/main" mc:Ignorable="mv" mc:PreserveAttributes="mv:*" preserve="1" userDrawn="1">
   <p:cSld name="Impact Slide - Green">
     <p:bg>
       <p:bgPr>
@@ -4510,7 +4338,7 @@
 </file>
 
 <file path=ppt/slideLayouts/slideLayout9.xml><?xml version="1.0" encoding="utf-8"?>
-<p:sldLayout xmlns:a="http://schemas.openxmlformats.org/drawingml/2006/main" xmlns:r="http://schemas.openxmlformats.org/officeDocument/2006/relationships" xmlns:p="http://schemas.openxmlformats.org/presentationml/2006/main" preserve="1" userDrawn="1">
+<p:sldLayout xmlns:a="http://schemas.openxmlformats.org/drawingml/2006/main" xmlns:r="http://schemas.openxmlformats.org/officeDocument/2006/relationships" xmlns:mc="http://schemas.openxmlformats.org/markup-compatibility/2006" xmlns:mv="urn:schemas-microsoft-com:mac:vml" xmlns:p="http://schemas.openxmlformats.org/presentationml/2006/main" mc:Ignorable="mv" mc:PreserveAttributes="mv:*" preserve="1" userDrawn="1">
   <p:cSld name="Impact Slide - Orange">
     <p:bg>
       <p:bgPr>
@@ -4605,7 +4433,7 @@
 </file>
 
 <file path=ppt/slideMasters/slideMaster1.xml><?xml version="1.0" encoding="utf-8"?>
-<p:sldMaster xmlns:a="http://schemas.openxmlformats.org/drawingml/2006/main" xmlns:r="http://schemas.openxmlformats.org/officeDocument/2006/relationships" xmlns:p="http://schemas.openxmlformats.org/presentationml/2006/main">
+<p:sldMaster xmlns:a="http://schemas.openxmlformats.org/drawingml/2006/main" xmlns:r="http://schemas.openxmlformats.org/officeDocument/2006/relationships" xmlns:mc="http://schemas.openxmlformats.org/markup-compatibility/2006" xmlns:mv="urn:schemas-microsoft-com:mac:vml" xmlns:p="http://schemas.openxmlformats.org/presentationml/2006/main" mc:Ignorable="mv" mc:PreserveAttributes="mv:*">
   <p:cSld>
     <p:bg>
       <p:bgPr>
@@ -5227,7 +5055,7 @@
 </file>
 
 <file path=ppt/slides/slide1.xml><?xml version="1.0" encoding="utf-8"?>
-<p:sld xmlns:a="http://schemas.openxmlformats.org/drawingml/2006/main" xmlns:r="http://schemas.openxmlformats.org/officeDocument/2006/relationships" xmlns:p="http://schemas.openxmlformats.org/presentationml/2006/main">
+<p:sld xmlns:a="http://schemas.openxmlformats.org/drawingml/2006/main" xmlns:r="http://schemas.openxmlformats.org/officeDocument/2006/relationships" xmlns:mc="http://schemas.openxmlformats.org/markup-compatibility/2006" xmlns:mv="urn:schemas-microsoft-com:mac:vml" xmlns:p="http://schemas.openxmlformats.org/presentationml/2006/main" mc:Ignorable="mv" mc:PreserveAttributes="mv:*">
   <p:cSld>
     <p:spTree>
       <p:nvGrpSpPr>
@@ -5307,20 +5135,20 @@
     </p:spTree>
     <p:extLst>
       <p:ext uri="{BB962C8B-B14F-4D97-AF65-F5344CB8AC3E}">
-        <p14:creationId xmlns:p14="http://schemas.microsoft.com/office/powerpoint/2010/main" val="2352184382"/>
+        <p14:creationId xmlns:p14="http://schemas.microsoft.com/office/powerpoint/2010/main" xmlns:p="http://schemas.openxmlformats.org/presentationml/2006/main" xmlns:r="http://schemas.openxmlformats.org/officeDocument/2006/relationships" xmlns:a="http://schemas.openxmlformats.org/drawingml/2006/main" xmlns="" val="2352184382"/>
       </p:ext>
     </p:extLst>
   </p:cSld>
   <p:clrMapOvr>
     <a:masterClrMapping/>
   </p:clrMapOvr>
-  <p:transition xmlns:p14="http://schemas.microsoft.com/office/powerpoint/2010/main" spd="med">
+  <p:transition spd="med">
     <p:fade/>
   </p:transition>
   <p:timing>
     <p:tnLst>
       <p:par>
-        <p:cTn xmlns:p14="http://schemas.microsoft.com/office/powerpoint/2010/main" id="1" dur="indefinite" restart="never" nodeType="tmRoot"/>
+        <p:cTn id="1" dur="indefinite" restart="never" nodeType="tmRoot"/>
       </p:par>
     </p:tnLst>
   </p:timing>
@@ -5328,7 +5156,7 @@
 </file>
 
 <file path=ppt/slides/slide2.xml><?xml version="1.0" encoding="utf-8"?>
-<p:sld xmlns:a="http://schemas.openxmlformats.org/drawingml/2006/main" xmlns:r="http://schemas.openxmlformats.org/officeDocument/2006/relationships" xmlns:p="http://schemas.openxmlformats.org/presentationml/2006/main">
+<p:sld xmlns:a="http://schemas.openxmlformats.org/drawingml/2006/main" xmlns:r="http://schemas.openxmlformats.org/officeDocument/2006/relationships" xmlns:mc="http://schemas.openxmlformats.org/markup-compatibility/2006" xmlns:mv="urn:schemas-microsoft-com:mac:vml" xmlns:p="http://schemas.openxmlformats.org/presentationml/2006/main" mc:Ignorable="mv" mc:PreserveAttributes="mv:*">
   <p:cSld>
     <p:spTree>
       <p:nvGrpSpPr>
@@ -5361,15 +5189,11 @@
           <a:p>
             <a:r>
               <a:rPr lang="en-US" dirty="0" smtClean="0"/>
-              <a:t>requirements to use the media </a:t>
-            </a:r>
-            <a:r>
-              <a:rPr lang="en-US" dirty="0" err="1" smtClean="0"/>
-              <a:t>api</a:t>
+              <a:t>selecting</a:t>
             </a:r>
             <a:r>
               <a:rPr lang="en-US" dirty="0" smtClean="0"/>
-              <a:t> use</a:t>
+              <a:t> an editor</a:t>
             </a:r>
             <a:endParaRPr lang="en-US" dirty="0"/>
           </a:p>
@@ -5393,77 +5217,51 @@
         </p:spPr>
         <p:txBody>
           <a:bodyPr>
-            <a:normAutofit lnSpcReduction="10000"/>
+            <a:normAutofit/>
           </a:bodyPr>
           <a:lstStyle/>
           <a:p>
             <a:r>
               <a:rPr lang="en-US" sz="3200" dirty="0" smtClean="0"/>
-              <a:t>Appropriate account</a:t>
-            </a:r>
-          </a:p>
-          <a:p>
-            <a:r>
-              <a:rPr lang="en-US" sz="3200" dirty="0"/>
-              <a:t>The Media API Read methods are available in the following editions</a:t>
-            </a:r>
-            <a:endParaRPr lang="en-US" sz="3200" dirty="0"/>
-          </a:p>
-          <a:p>
-            <a:pPr lvl="1"/>
-            <a:r>
-              <a:rPr lang="en-US" sz="3200" dirty="0"/>
-              <a:t>Express 3</a:t>
-            </a:r>
-            <a:endParaRPr lang="en-US" sz="3200" dirty="0"/>
-          </a:p>
-          <a:p>
-            <a:pPr lvl="1"/>
-            <a:r>
-              <a:rPr lang="en-US" sz="3200" dirty="0"/>
-              <a:t>Professional</a:t>
-            </a:r>
-            <a:endParaRPr lang="en-US" sz="3200" dirty="0"/>
-          </a:p>
-          <a:p>
-            <a:pPr lvl="1"/>
-            <a:r>
-              <a:rPr lang="en-US" sz="3200" dirty="0"/>
-              <a:t>Enterprise</a:t>
-            </a:r>
-            <a:endParaRPr lang="en-US" sz="3200" dirty="0"/>
-          </a:p>
-          <a:p>
-            <a:r>
-              <a:rPr lang="en-US" sz="3200" dirty="0"/>
-              <a:t>The Media API Write methods are available in</a:t>
-            </a:r>
-            <a:endParaRPr lang="en-US" sz="3200" dirty="0"/>
-          </a:p>
-          <a:p>
-            <a:pPr lvl="1"/>
-            <a:r>
-              <a:rPr lang="en-US" sz="3200" dirty="0" smtClean="0"/>
-              <a:t>Professional	</a:t>
-            </a:r>
-            <a:endParaRPr lang="en-US" sz="3200" dirty="0"/>
-          </a:p>
-          <a:p>
-            <a:pPr lvl="1"/>
-            <a:r>
-              <a:rPr lang="en-US" sz="3200" dirty="0" smtClean="0"/>
-              <a:t>Enterprise</a:t>
-            </a:r>
-          </a:p>
-          <a:p>
-            <a:r>
-              <a:rPr lang="en-US" sz="3200" dirty="0">
+              <a:t>You </a:t>
+            </a:r>
+            <a:r>
+              <a:rPr lang="en-US" sz="3200" dirty="0" smtClean="0">
                 <a:solidFill>
                   <a:schemeClr val="tx1"/>
                 </a:solidFill>
               </a:rPr>
-              <a:t>You will also need an editor for HTML/JavaScript</a:t>
-            </a:r>
+              <a:t>will</a:t>
+            </a:r>
+            <a:r>
+              <a:rPr lang="en-US" sz="3200" dirty="0" smtClean="0">
+                <a:solidFill>
+                  <a:schemeClr val="tx1"/>
+                </a:solidFill>
+              </a:rPr>
+              <a:t> need </a:t>
+            </a:r>
+            <a:r>
+              <a:rPr lang="en-US" sz="3200" dirty="0" smtClean="0">
+                <a:solidFill>
+                  <a:schemeClr val="tx1"/>
+                </a:solidFill>
+              </a:rPr>
+              <a:t>an editor for HTML/</a:t>
+            </a:r>
+            <a:r>
+              <a:rPr lang="en-US" sz="3200" dirty="0" smtClean="0">
+                <a:solidFill>
+                  <a:schemeClr val="tx1"/>
+                </a:solidFill>
+              </a:rPr>
+              <a:t>JavaScript</a:t>
+            </a:r>
+            <a:endParaRPr lang="en-US" sz="3200" dirty="0" smtClean="0">
+              <a:solidFill>
+                <a:schemeClr val="tx1"/>
+              </a:solidFill>
+            </a:endParaRPr>
           </a:p>
           <a:p>
             <a:pPr lvl="1"/>
@@ -5539,7 +5337,7 @@
     </p:spTree>
     <p:extLst>
       <p:ext uri="{BB962C8B-B14F-4D97-AF65-F5344CB8AC3E}">
-        <p14:creationId xmlns:p14="http://schemas.microsoft.com/office/powerpoint/2010/main" val="1723545958"/>
+        <p14:creationId xmlns:p14="http://schemas.microsoft.com/office/powerpoint/2010/main" xmlns:p="http://schemas.openxmlformats.org/presentationml/2006/main" xmlns:r="http://schemas.openxmlformats.org/officeDocument/2006/relationships" xmlns:a="http://schemas.openxmlformats.org/drawingml/2006/main" xmlns="" val="1723545958"/>
       </p:ext>
     </p:extLst>
   </p:cSld>
@@ -5549,7 +5347,7 @@
   <p:timing>
     <p:tnLst>
       <p:par>
-        <p:cTn xmlns:p14="http://schemas.microsoft.com/office/powerpoint/2010/main" id="1" dur="indefinite" restart="never" nodeType="tmRoot"/>
+        <p:cTn id="1" dur="indefinite" restart="never" nodeType="tmRoot"/>
       </p:par>
     </p:tnLst>
   </p:timing>
@@ -5557,7 +5355,7 @@
 </file>
 
 <file path=ppt/slides/slide3.xml><?xml version="1.0" encoding="utf-8"?>
-<p:sld xmlns:a="http://schemas.openxmlformats.org/drawingml/2006/main" xmlns:r="http://schemas.openxmlformats.org/officeDocument/2006/relationships" xmlns:p="http://schemas.openxmlformats.org/presentationml/2006/main">
+<p:sld xmlns:a="http://schemas.openxmlformats.org/drawingml/2006/main" xmlns:r="http://schemas.openxmlformats.org/officeDocument/2006/relationships" xmlns:mc="http://schemas.openxmlformats.org/markup-compatibility/2006" xmlns:mv="urn:schemas-microsoft-com:mac:vml" xmlns:p="http://schemas.openxmlformats.org/presentationml/2006/main" mc:Ignorable="mv" mc:PreserveAttributes="mv:*">
   <p:cSld>
     <p:spTree>
       <p:nvGrpSpPr>
@@ -5575,6 +5373,166 @@
       </p:grpSpPr>
       <p:sp>
         <p:nvSpPr>
+          <p:cNvPr id="3" name="Title 2"/>
+          <p:cNvSpPr>
+            <a:spLocks noGrp="1"/>
+          </p:cNvSpPr>
+          <p:nvPr>
+            <p:ph type="title"/>
+          </p:nvPr>
+        </p:nvSpPr>
+        <p:spPr/>
+        <p:txBody>
+          <a:bodyPr/>
+          <a:lstStyle/>
+          <a:p>
+            <a:r>
+              <a:rPr lang="en-US" dirty="0" smtClean="0"/>
+              <a:t>Test Media </a:t>
+            </a:r>
+            <a:r>
+              <a:rPr lang="en-US" dirty="0" err="1" smtClean="0"/>
+              <a:t>api</a:t>
+            </a:r>
+            <a:r>
+              <a:rPr lang="en-US" dirty="0" smtClean="0"/>
+              <a:t> requests</a:t>
+            </a:r>
+            <a:endParaRPr lang="en-US" dirty="0"/>
+          </a:p>
+        </p:txBody>
+      </p:sp>
+      <p:sp>
+        <p:nvSpPr>
+          <p:cNvPr id="4" name="Content Placeholder 3"/>
+          <p:cNvSpPr>
+            <a:spLocks noGrp="1"/>
+          </p:cNvSpPr>
+          <p:nvPr>
+            <p:ph idx="1"/>
+          </p:nvPr>
+        </p:nvSpPr>
+        <p:spPr>
+          <a:xfrm>
+            <a:off x="541346" y="1911090"/>
+            <a:ext cx="15877477" cy="6763783"/>
+          </a:xfrm>
+        </p:spPr>
+        <p:txBody>
+          <a:bodyPr>
+            <a:normAutofit/>
+          </a:bodyPr>
+          <a:lstStyle/>
+          <a:p>
+            <a:r>
+              <a:rPr lang="en-US" sz="3200" dirty="0" smtClean="0">
+                <a:latin typeface="Arial" pitchFamily="-105" charset="0"/>
+                <a:ea typeface="ＭＳ Ｐゴシック" pitchFamily="-105" charset="-128"/>
+              </a:rPr>
+              <a:t>Use the Media </a:t>
+            </a:r>
+            <a:r>
+              <a:rPr lang="en-US" sz="3200" dirty="0" smtClean="0">
+                <a:latin typeface="Arial" pitchFamily="-105" charset="0"/>
+                <a:ea typeface="ＭＳ Ｐゴシック" pitchFamily="-105" charset="-128"/>
+              </a:rPr>
+              <a:t>API</a:t>
+            </a:r>
+            <a:r>
+              <a:rPr lang="en-US" sz="3200" dirty="0" smtClean="0">
+                <a:latin typeface="Arial" pitchFamily="-105" charset="0"/>
+                <a:ea typeface="ＭＳ Ｐゴシック" pitchFamily="-105" charset="-128"/>
+              </a:rPr>
+              <a:t> Test Tool to view video and playlist </a:t>
+            </a:r>
+            <a:r>
+              <a:rPr lang="en-US" sz="3200" smtClean="0">
+                <a:latin typeface="Arial" pitchFamily="-105" charset="0"/>
+                <a:ea typeface="ＭＳ Ｐゴシック" pitchFamily="-105" charset="-128"/>
+              </a:rPr>
+              <a:t>data returned from </a:t>
+            </a:r>
+            <a:r>
+              <a:rPr lang="en-US" sz="3200" dirty="0" smtClean="0">
+                <a:latin typeface="Arial" pitchFamily="-105" charset="0"/>
+                <a:ea typeface="ＭＳ Ｐゴシック" pitchFamily="-105" charset="-128"/>
+              </a:rPr>
+              <a:t>your account</a:t>
+            </a:r>
+          </a:p>
+          <a:p>
+            <a:pPr lvl="1"/>
+            <a:r>
+              <a:rPr lang="en-US" sz="3200" dirty="0" smtClean="0">
+                <a:latin typeface="Arial" pitchFamily="-105" charset="0"/>
+                <a:ea typeface="ＭＳ Ｐゴシック" pitchFamily="-105" charset="-128"/>
+              </a:rPr>
+              <a:t>Media API &gt; Solutions &gt; Media API Test Tool</a:t>
+            </a:r>
+          </a:p>
+          <a:p>
+            <a:pPr lvl="1"/>
+            <a:r>
+              <a:rPr lang="en-US" sz="3200" dirty="0" smtClean="0">
+                <a:hlinkClick r:id="rId3"/>
+              </a:rPr>
+              <a:t>http://solutions.brightcove.com/bcls/media/api-test-tool/media-api-test-</a:t>
+            </a:r>
+            <a:r>
+              <a:rPr lang="en-US" sz="3200" dirty="0" smtClean="0">
+                <a:hlinkClick r:id="rId3"/>
+              </a:rPr>
+              <a:t>tool.html</a:t>
+            </a:r>
+            <a:r>
+              <a:rPr lang="en-US" sz="3200" dirty="0" smtClean="0"/>
+              <a:t> </a:t>
+            </a:r>
+          </a:p>
+          <a:p>
+            <a:endParaRPr lang="en-US" sz="3200" dirty="0"/>
+          </a:p>
+        </p:txBody>
+      </p:sp>
+    </p:spTree>
+    <p:extLst>
+      <p:ext uri="{BB962C8B-B14F-4D97-AF65-F5344CB8AC3E}">
+        <p14:creationId xmlns:p14="http://schemas.microsoft.com/office/powerpoint/2010/main" xmlns:p="http://schemas.openxmlformats.org/presentationml/2006/main" xmlns:r="http://schemas.openxmlformats.org/officeDocument/2006/relationships" xmlns:a="http://schemas.openxmlformats.org/drawingml/2006/main" xmlns="" val="1723545958"/>
+      </p:ext>
+    </p:extLst>
+  </p:cSld>
+  <p:clrMapOvr>
+    <a:masterClrMapping/>
+  </p:clrMapOvr>
+  <p:timing>
+    <p:tnLst>
+      <p:par>
+        <p:cTn id="1" dur="indefinite" restart="never" nodeType="tmRoot"/>
+      </p:par>
+    </p:tnLst>
+  </p:timing>
+</p:sld>
+</file>
+
+<file path=ppt/slides/slide4.xml><?xml version="1.0" encoding="utf-8"?>
+<p:sld xmlns:a="http://schemas.openxmlformats.org/drawingml/2006/main" xmlns:r="http://schemas.openxmlformats.org/officeDocument/2006/relationships" xmlns:mc="http://schemas.openxmlformats.org/markup-compatibility/2006" xmlns:mv="urn:schemas-microsoft-com:mac:vml" xmlns:p="http://schemas.openxmlformats.org/presentationml/2006/main" mc:Ignorable="mv" mc:PreserveAttributes="mv:*">
+  <p:cSld>
+    <p:spTree>
+      <p:nvGrpSpPr>
+        <p:cNvPr id="1" name=""/>
+        <p:cNvGrpSpPr/>
+        <p:nvPr/>
+      </p:nvGrpSpPr>
+      <p:grpSpPr>
+        <a:xfrm>
+          <a:off x="0" y="0"/>
+          <a:ext cx="0" cy="0"/>
+          <a:chOff x="0" y="0"/>
+          <a:chExt cx="0" cy="0"/>
+        </a:xfrm>
+      </p:grpSpPr>
+      <p:sp>
+        <p:nvSpPr>
           <p:cNvPr id="2" name="Title 1"/>
           <p:cNvSpPr>
             <a:spLocks noGrp="1"/>
@@ -5620,21 +5578,33 @@
               <a:rPr lang="en-US" sz="3000" dirty="0" smtClean="0"/>
               <a:t>Get the student files and the slides</a:t>
             </a:r>
+            <a:endParaRPr lang="en-US" sz="3000" dirty="0" smtClean="0"/>
           </a:p>
           <a:p>
             <a:pPr lvl="1"/>
             <a:r>
-              <a:rPr lang="en-US" sz="3000" dirty="0"/>
-              <a:t>http://</a:t>
-            </a:r>
-            <a:r>
-              <a:rPr lang="en-US" sz="3000" dirty="0" err="1"/>
-              <a:t>bit.ly</a:t>
-            </a:r>
-            <a:r>
-              <a:rPr lang="en-US" sz="3000" dirty="0"/>
-              <a:t>/1aDeSpP</a:t>
-            </a:r>
+              <a:rPr lang="en-US" sz="3000" dirty="0" smtClean="0">
+                <a:hlinkClick r:id="rId2"/>
+              </a:rPr>
+              <a:t>http://bit.ly/</a:t>
+            </a:r>
+            <a:r>
+              <a:rPr lang="en-US" sz="3000" dirty="0" smtClean="0">
+                <a:hlinkClick r:id="rId2"/>
+              </a:rPr>
+              <a:t>1eVbSth</a:t>
+            </a:r>
+            <a:r>
+              <a:rPr lang="en-US" sz="3000" dirty="0" smtClean="0"/>
+              <a:t> </a:t>
+            </a:r>
+          </a:p>
+          <a:p>
+            <a:pPr lvl="1"/>
+            <a:endParaRPr lang="en-US" sz="3000" dirty="0" smtClean="0"/>
+          </a:p>
+          <a:p>
+            <a:pPr lvl="1"/>
             <a:endParaRPr lang="en-US" sz="3000" dirty="0"/>
           </a:p>
         </p:txBody>
@@ -5662,7 +5632,7 @@
               <a:pPr>
                 <a:defRPr/>
               </a:pPr>
-              <a:t>3</a:t>
+              <a:t>4</a:t>
             </a:fld>
             <a:r>
               <a:rPr lang="en-US" dirty="0" smtClean="0"/>
@@ -5681,10 +5651,10 @@
           <p:nvPr/>
         </p:nvPicPr>
         <p:blipFill>
-          <a:blip r:embed="rId2">
+          <a:blip r:embed="rId3">
             <a:extLst>
               <a:ext uri="{28A0092B-C50C-407E-A947-70E740481C1C}">
-                <a14:useLocalDpi xmlns:a14="http://schemas.microsoft.com/office/drawing/2010/main" val="0"/>
+                <a14:useLocalDpi xmlns:a14="http://schemas.microsoft.com/office/drawing/2010/main" xmlns:p="http://schemas.openxmlformats.org/presentationml/2006/main" xmlns:r="http://schemas.openxmlformats.org/officeDocument/2006/relationships" xmlns:a="http://schemas.openxmlformats.org/drawingml/2006/main" xmlns="" val="0"/>
               </a:ext>
             </a:extLst>
           </a:blip>
@@ -5705,7 +5675,7 @@
     </p:spTree>
     <p:extLst>
       <p:ext uri="{BB962C8B-B14F-4D97-AF65-F5344CB8AC3E}">
-        <p14:creationId xmlns:p14="http://schemas.microsoft.com/office/powerpoint/2010/main" val="2001559374"/>
+        <p14:creationId xmlns:p14="http://schemas.microsoft.com/office/powerpoint/2010/main" xmlns:p="http://schemas.openxmlformats.org/presentationml/2006/main" xmlns:r="http://schemas.openxmlformats.org/officeDocument/2006/relationships" xmlns:a="http://schemas.openxmlformats.org/drawingml/2006/main" xmlns="" val="2001559374"/>
       </p:ext>
     </p:extLst>
   </p:cSld>
@@ -5715,8 +5685,8 @@
 </p:sld>
 </file>
 
-<file path=ppt/slides/slide4.xml><?xml version="1.0" encoding="utf-8"?>
-<p:sld xmlns:a="http://schemas.openxmlformats.org/drawingml/2006/main" xmlns:r="http://schemas.openxmlformats.org/officeDocument/2006/relationships" xmlns:p="http://schemas.openxmlformats.org/presentationml/2006/main">
+<file path=ppt/slides/slide5.xml><?xml version="1.0" encoding="utf-8"?>
+<p:sld xmlns:a="http://schemas.openxmlformats.org/drawingml/2006/main" xmlns:r="http://schemas.openxmlformats.org/officeDocument/2006/relationships" xmlns:mc="http://schemas.openxmlformats.org/markup-compatibility/2006" xmlns:mv="urn:schemas-microsoft-com:mac:vml" xmlns:p="http://schemas.openxmlformats.org/presentationml/2006/main" mc:Ignorable="mv" mc:PreserveAttributes="mv:*">
   <p:cSld>
     <p:spTree>
       <p:nvGrpSpPr>
@@ -5734,267 +5704,6 @@
       </p:grpSpPr>
       <p:sp>
         <p:nvSpPr>
-          <p:cNvPr id="3" name="Title 2"/>
-          <p:cNvSpPr>
-            <a:spLocks noGrp="1"/>
-          </p:cNvSpPr>
-          <p:nvPr>
-            <p:ph type="title"/>
-          </p:nvPr>
-        </p:nvSpPr>
-        <p:spPr/>
-        <p:txBody>
-          <a:bodyPr/>
-          <a:lstStyle/>
-          <a:p>
-            <a:r>
-              <a:rPr lang="en-US" dirty="0" smtClean="0"/>
-              <a:t>Title</a:t>
-            </a:r>
-            <a:endParaRPr lang="en-US" dirty="0"/>
-          </a:p>
-        </p:txBody>
-      </p:sp>
-      <p:sp>
-        <p:nvSpPr>
-          <p:cNvPr id="4" name="Content Placeholder 3"/>
-          <p:cNvSpPr>
-            <a:spLocks noGrp="1"/>
-          </p:cNvSpPr>
-          <p:nvPr>
-            <p:ph idx="1"/>
-          </p:nvPr>
-        </p:nvSpPr>
-        <p:spPr/>
-        <p:txBody>
-          <a:bodyPr>
-            <a:normAutofit/>
-          </a:bodyPr>
-          <a:lstStyle/>
-          <a:p>
-            <a:r>
-              <a:rPr lang="en-US" sz="3200" dirty="0" smtClean="0"/>
-              <a:t>Content</a:t>
-            </a:r>
-          </a:p>
-          <a:p>
-            <a:endParaRPr lang="en-US" sz="3200" dirty="0"/>
-          </a:p>
-        </p:txBody>
-      </p:sp>
-    </p:spTree>
-    <p:extLst>
-      <p:ext uri="{BB962C8B-B14F-4D97-AF65-F5344CB8AC3E}">
-        <p14:creationId xmlns:p14="http://schemas.microsoft.com/office/powerpoint/2010/main" val="2108713422"/>
-      </p:ext>
-    </p:extLst>
-  </p:cSld>
-  <p:clrMapOvr>
-    <a:masterClrMapping/>
-  </p:clrMapOvr>
-  <p:timing>
-    <p:tnLst>
-      <p:par>
-        <p:cTn xmlns:p14="http://schemas.microsoft.com/office/powerpoint/2010/main" id="1" dur="indefinite" restart="never" nodeType="tmRoot"/>
-      </p:par>
-    </p:tnLst>
-  </p:timing>
-</p:sld>
-</file>
-
-<file path=ppt/slides/slide5.xml><?xml version="1.0" encoding="utf-8"?>
-<p:sld xmlns:a="http://schemas.openxmlformats.org/drawingml/2006/main" xmlns:r="http://schemas.openxmlformats.org/officeDocument/2006/relationships" xmlns:p="http://schemas.openxmlformats.org/presentationml/2006/main">
-  <p:cSld>
-    <p:spTree>
-      <p:nvGrpSpPr>
-        <p:cNvPr id="1" name=""/>
-        <p:cNvGrpSpPr/>
-        <p:nvPr/>
-      </p:nvGrpSpPr>
-      <p:grpSpPr>
-        <a:xfrm>
-          <a:off x="0" y="0"/>
-          <a:ext cx="0" cy="0"/>
-          <a:chOff x="0" y="0"/>
-          <a:chExt cx="0" cy="0"/>
-        </a:xfrm>
-      </p:grpSpPr>
-      <p:sp>
-        <p:nvSpPr>
-          <p:cNvPr id="3" name="Title 2"/>
-          <p:cNvSpPr>
-            <a:spLocks noGrp="1"/>
-          </p:cNvSpPr>
-          <p:nvPr>
-            <p:ph type="title"/>
-          </p:nvPr>
-        </p:nvSpPr>
-        <p:spPr/>
-        <p:txBody>
-          <a:bodyPr/>
-          <a:lstStyle/>
-          <a:p>
-            <a:r>
-              <a:rPr lang="en-US" dirty="0" smtClean="0"/>
-              <a:t>Title</a:t>
-            </a:r>
-            <a:endParaRPr lang="en-US" dirty="0"/>
-          </a:p>
-        </p:txBody>
-      </p:sp>
-      <p:sp>
-        <p:nvSpPr>
-          <p:cNvPr id="4" name="Content Placeholder 3"/>
-          <p:cNvSpPr>
-            <a:spLocks noGrp="1"/>
-          </p:cNvSpPr>
-          <p:nvPr>
-            <p:ph idx="1"/>
-          </p:nvPr>
-        </p:nvSpPr>
-        <p:spPr/>
-        <p:txBody>
-          <a:bodyPr>
-            <a:normAutofit/>
-          </a:bodyPr>
-          <a:lstStyle/>
-          <a:p>
-            <a:r>
-              <a:rPr lang="en-US" sz="3200" dirty="0" smtClean="0"/>
-              <a:t>Content</a:t>
-            </a:r>
-          </a:p>
-          <a:p>
-            <a:endParaRPr lang="en-US" sz="3200" dirty="0"/>
-          </a:p>
-        </p:txBody>
-      </p:sp>
-    </p:spTree>
-    <p:extLst>
-      <p:ext uri="{BB962C8B-B14F-4D97-AF65-F5344CB8AC3E}">
-        <p14:creationId xmlns:p14="http://schemas.microsoft.com/office/powerpoint/2010/main" val="2805855639"/>
-      </p:ext>
-    </p:extLst>
-  </p:cSld>
-  <p:clrMapOvr>
-    <a:masterClrMapping/>
-  </p:clrMapOvr>
-  <p:timing>
-    <p:tnLst>
-      <p:par>
-        <p:cTn xmlns:p14="http://schemas.microsoft.com/office/powerpoint/2010/main" id="1" dur="indefinite" restart="never" nodeType="tmRoot"/>
-      </p:par>
-    </p:tnLst>
-  </p:timing>
-</p:sld>
-</file>
-
-<file path=ppt/slides/slide6.xml><?xml version="1.0" encoding="utf-8"?>
-<p:sld xmlns:a="http://schemas.openxmlformats.org/drawingml/2006/main" xmlns:r="http://schemas.openxmlformats.org/officeDocument/2006/relationships" xmlns:p="http://schemas.openxmlformats.org/presentationml/2006/main">
-  <p:cSld>
-    <p:spTree>
-      <p:nvGrpSpPr>
-        <p:cNvPr id="1" name=""/>
-        <p:cNvGrpSpPr/>
-        <p:nvPr/>
-      </p:nvGrpSpPr>
-      <p:grpSpPr>
-        <a:xfrm>
-          <a:off x="0" y="0"/>
-          <a:ext cx="0" cy="0"/>
-          <a:chOff x="0" y="0"/>
-          <a:chExt cx="0" cy="0"/>
-        </a:xfrm>
-      </p:grpSpPr>
-      <p:sp>
-        <p:nvSpPr>
-          <p:cNvPr id="3" name="Title 2"/>
-          <p:cNvSpPr>
-            <a:spLocks noGrp="1"/>
-          </p:cNvSpPr>
-          <p:nvPr>
-            <p:ph type="title"/>
-          </p:nvPr>
-        </p:nvSpPr>
-        <p:spPr/>
-        <p:txBody>
-          <a:bodyPr/>
-          <a:lstStyle/>
-          <a:p>
-            <a:r>
-              <a:rPr lang="en-US" dirty="0" smtClean="0"/>
-              <a:t>Title</a:t>
-            </a:r>
-            <a:endParaRPr lang="en-US" dirty="0"/>
-          </a:p>
-        </p:txBody>
-      </p:sp>
-      <p:sp>
-        <p:nvSpPr>
-          <p:cNvPr id="4" name="Content Placeholder 3"/>
-          <p:cNvSpPr>
-            <a:spLocks noGrp="1"/>
-          </p:cNvSpPr>
-          <p:nvPr>
-            <p:ph idx="1"/>
-          </p:nvPr>
-        </p:nvSpPr>
-        <p:spPr/>
-        <p:txBody>
-          <a:bodyPr>
-            <a:normAutofit/>
-          </a:bodyPr>
-          <a:lstStyle/>
-          <a:p>
-            <a:r>
-              <a:rPr lang="en-US" sz="3200" dirty="0" smtClean="0"/>
-              <a:t>Content</a:t>
-            </a:r>
-          </a:p>
-          <a:p>
-            <a:endParaRPr lang="en-US" sz="3200" dirty="0"/>
-          </a:p>
-        </p:txBody>
-      </p:sp>
-    </p:spTree>
-    <p:extLst>
-      <p:ext uri="{BB962C8B-B14F-4D97-AF65-F5344CB8AC3E}">
-        <p14:creationId xmlns:p14="http://schemas.microsoft.com/office/powerpoint/2010/main" val="2514608167"/>
-      </p:ext>
-    </p:extLst>
-  </p:cSld>
-  <p:clrMapOvr>
-    <a:masterClrMapping/>
-  </p:clrMapOvr>
-  <p:timing>
-    <p:tnLst>
-      <p:par>
-        <p:cTn xmlns:p14="http://schemas.microsoft.com/office/powerpoint/2010/main" id="1" dur="indefinite" restart="never" nodeType="tmRoot"/>
-      </p:par>
-    </p:tnLst>
-  </p:timing>
-</p:sld>
-</file>
-
-<file path=ppt/slides/slide7.xml><?xml version="1.0" encoding="utf-8"?>
-<p:sld xmlns:a="http://schemas.openxmlformats.org/drawingml/2006/main" xmlns:r="http://schemas.openxmlformats.org/officeDocument/2006/relationships" xmlns:p="http://schemas.openxmlformats.org/presentationml/2006/main">
-  <p:cSld>
-    <p:spTree>
-      <p:nvGrpSpPr>
-        <p:cNvPr id="1" name=""/>
-        <p:cNvGrpSpPr/>
-        <p:nvPr/>
-      </p:nvGrpSpPr>
-      <p:grpSpPr>
-        <a:xfrm>
-          <a:off x="0" y="0"/>
-          <a:ext cx="0" cy="0"/>
-          <a:chOff x="0" y="0"/>
-          <a:chExt cx="0" cy="0"/>
-        </a:xfrm>
-      </p:grpSpPr>
-      <p:sp>
-        <p:nvSpPr>
           <p:cNvPr id="3" name="Text Placeholder 2"/>
           <p:cNvSpPr>
             <a:spLocks noGrp="1"/>
@@ -6069,7 +5778,7 @@
               <a:pPr>
                 <a:defRPr/>
               </a:pPr>
-              <a:t>7</a:t>
+              <a:t>5</a:t>
             </a:fld>
             <a:endParaRPr lang="en-US" dirty="0"/>
           </a:p>
@@ -6078,20 +5787,20 @@
     </p:spTree>
     <p:extLst>
       <p:ext uri="{BB962C8B-B14F-4D97-AF65-F5344CB8AC3E}">
-        <p14:creationId xmlns:p14="http://schemas.microsoft.com/office/powerpoint/2010/main" val="3700295984"/>
+        <p14:creationId xmlns:p14="http://schemas.microsoft.com/office/powerpoint/2010/main" xmlns:p="http://schemas.openxmlformats.org/presentationml/2006/main" xmlns:r="http://schemas.openxmlformats.org/officeDocument/2006/relationships" xmlns:a="http://schemas.openxmlformats.org/drawingml/2006/main" xmlns="" val="3700295984"/>
       </p:ext>
     </p:extLst>
   </p:cSld>
   <p:clrMapOvr>
     <a:masterClrMapping/>
   </p:clrMapOvr>
-  <p:transition xmlns:p14="http://schemas.microsoft.com/office/powerpoint/2010/main" spd="med">
+  <p:transition spd="med">
     <p:fade/>
   </p:transition>
   <p:timing>
     <p:tnLst>
       <p:par>
-        <p:cTn xmlns:p14="http://schemas.microsoft.com/office/powerpoint/2010/main" id="1" dur="indefinite" restart="never" nodeType="tmRoot"/>
+        <p:cTn id="1" dur="indefinite" restart="never" nodeType="tmRoot"/>
       </p:par>
     </p:tnLst>
   </p:timing>

--- a/VideoSessionsMaterials/setting-up.pptx
+++ b/VideoSessionsMaterials/setting-up.pptx
@@ -1,6 +1,6 @@
 
 <file path=ppt/presentation.xml><?xml version="1.0" encoding="utf-8"?>
-<p:presentation xmlns:a="http://schemas.openxmlformats.org/drawingml/2006/main" xmlns:r="http://schemas.openxmlformats.org/officeDocument/2006/relationships" xmlns:mc="http://schemas.openxmlformats.org/markup-compatibility/2006" xmlns:mv="urn:schemas-microsoft-com:mac:vml" xmlns:p="http://schemas.openxmlformats.org/presentationml/2006/main" mc:Ignorable="mv" mc:PreserveAttributes="mv:*" showSpecialPlsOnTitleSld="0" saveSubsetFonts="1" autoCompressPictures="0">
+<p:presentation xmlns:a="http://schemas.openxmlformats.org/drawingml/2006/main" xmlns:r="http://schemas.openxmlformats.org/officeDocument/2006/relationships" xmlns:p="http://schemas.openxmlformats.org/presentationml/2006/main" showSpecialPlsOnTitleSld="0" saveSubsetFonts="1" autoCompressPictures="0">
   <p:sldMasterIdLst>
     <p:sldMasterId id="2147483648" r:id="rId1"/>
   </p:sldMasterIdLst>
@@ -145,7 +145,7 @@
 </file>
 
 <file path=ppt/notesMasters/notesMaster1.xml><?xml version="1.0" encoding="utf-8"?>
-<p:notesMaster xmlns:a="http://schemas.openxmlformats.org/drawingml/2006/main" xmlns:r="http://schemas.openxmlformats.org/officeDocument/2006/relationships" xmlns:mc="http://schemas.openxmlformats.org/markup-compatibility/2006" xmlns:mv="urn:schemas-microsoft-com:mac:vml" xmlns:p="http://schemas.openxmlformats.org/presentationml/2006/main" mc:Ignorable="mv" mc:PreserveAttributes="mv:*">
+<p:notesMaster xmlns:a="http://schemas.openxmlformats.org/drawingml/2006/main" xmlns:r="http://schemas.openxmlformats.org/officeDocument/2006/relationships" xmlns:p="http://schemas.openxmlformats.org/presentationml/2006/main">
   <p:cSld>
     <p:bg>
       <p:bgRef idx="1001">
@@ -227,7 +227,7 @@
             <a:fld id="{DDC063FE-8627-9A42-970F-0BBEEB02B587}" type="datetimeFigureOut">
               <a:rPr lang="en-US" smtClean="0"/>
               <a:pPr/>
-              <a:t>12/6/13</a:t>
+              <a:t>12/9/13</a:t>
             </a:fld>
             <a:endParaRPr lang="en-US" dirty="0"/>
           </a:p>
@@ -396,7 +396,7 @@
     </p:spTree>
     <p:extLst>
       <p:ext uri="{BB962C8B-B14F-4D97-AF65-F5344CB8AC3E}">
-        <p14:creationId xmlns:p14="http://schemas.microsoft.com/office/powerpoint/2010/main" xmlns:p="http://schemas.openxmlformats.org/presentationml/2006/main" xmlns:r="http://schemas.openxmlformats.org/officeDocument/2006/relationships" xmlns:a="http://schemas.openxmlformats.org/drawingml/2006/main" xmlns="" val="4045051341"/>
+        <p14:creationId xmlns:p14="http://schemas.microsoft.com/office/powerpoint/2010/main" val="4045051341"/>
       </p:ext>
     </p:extLst>
   </p:cSld>
@@ -497,7 +497,7 @@
 </file>
 
 <file path=ppt/notesSlides/notesSlide1.xml><?xml version="1.0" encoding="utf-8"?>
-<p:notes xmlns:a="http://schemas.openxmlformats.org/drawingml/2006/main" xmlns:r="http://schemas.openxmlformats.org/officeDocument/2006/relationships" xmlns:mc="http://schemas.openxmlformats.org/markup-compatibility/2006" xmlns:mv="urn:schemas-microsoft-com:mac:vml" xmlns:p="http://schemas.openxmlformats.org/presentationml/2006/main" mc:Ignorable="mv" mc:PreserveAttributes="mv:*">
+<p:notes xmlns:a="http://schemas.openxmlformats.org/drawingml/2006/main" xmlns:r="http://schemas.openxmlformats.org/officeDocument/2006/relationships" xmlns:p="http://schemas.openxmlformats.org/presentationml/2006/main">
   <p:cSld>
     <p:spTree>
       <p:nvGrpSpPr>
@@ -571,7 +571,7 @@
     </p:spTree>
     <p:extLst>
       <p:ext uri="{BB962C8B-B14F-4D97-AF65-F5344CB8AC3E}">
-        <p14:creationId xmlns:p14="http://schemas.microsoft.com/office/powerpoint/2010/main" xmlns:p="http://schemas.openxmlformats.org/presentationml/2006/main" xmlns:r="http://schemas.openxmlformats.org/officeDocument/2006/relationships" xmlns:a="http://schemas.openxmlformats.org/drawingml/2006/main" xmlns="" val="3250658828"/>
+        <p14:creationId xmlns:p14="http://schemas.microsoft.com/office/powerpoint/2010/main" val="3250658828"/>
       </p:ext>
     </p:extLst>
   </p:cSld>
@@ -582,7 +582,7 @@
 </file>
 
 <file path=ppt/notesSlides/notesSlide2.xml><?xml version="1.0" encoding="utf-8"?>
-<p:notes xmlns:a="http://schemas.openxmlformats.org/drawingml/2006/main" xmlns:r="http://schemas.openxmlformats.org/officeDocument/2006/relationships" xmlns:mc="http://schemas.openxmlformats.org/markup-compatibility/2006" xmlns:mv="urn:schemas-microsoft-com:mac:vml" xmlns:p="http://schemas.openxmlformats.org/presentationml/2006/main" mc:Ignorable="mv" mc:PreserveAttributes="mv:*">
+<p:notes xmlns:a="http://schemas.openxmlformats.org/drawingml/2006/main" xmlns:r="http://schemas.openxmlformats.org/officeDocument/2006/relationships" xmlns:p="http://schemas.openxmlformats.org/presentationml/2006/main">
   <p:cSld>
     <p:spTree>
       <p:nvGrpSpPr>
@@ -656,7 +656,7 @@
     </p:spTree>
     <p:extLst>
       <p:ext uri="{BB962C8B-B14F-4D97-AF65-F5344CB8AC3E}">
-        <p14:creationId xmlns:p14="http://schemas.microsoft.com/office/powerpoint/2010/main" xmlns:p="http://schemas.openxmlformats.org/presentationml/2006/main" xmlns:r="http://schemas.openxmlformats.org/officeDocument/2006/relationships" xmlns:a="http://schemas.openxmlformats.org/drawingml/2006/main" xmlns="" val="963676054"/>
+        <p14:creationId xmlns:p14="http://schemas.microsoft.com/office/powerpoint/2010/main" val="963676054"/>
       </p:ext>
     </p:extLst>
   </p:cSld>
@@ -667,7 +667,7 @@
 </file>
 
 <file path=ppt/notesSlides/notesSlide3.xml><?xml version="1.0" encoding="utf-8"?>
-<p:notes xmlns:a="http://schemas.openxmlformats.org/drawingml/2006/main" xmlns:r="http://schemas.openxmlformats.org/officeDocument/2006/relationships" xmlns:mc="http://schemas.openxmlformats.org/markup-compatibility/2006" xmlns:mv="urn:schemas-microsoft-com:mac:vml" xmlns:p="http://schemas.openxmlformats.org/presentationml/2006/main" mc:Ignorable="mv" mc:PreserveAttributes="mv:*">
+<p:notes xmlns:a="http://schemas.openxmlformats.org/drawingml/2006/main" xmlns:r="http://schemas.openxmlformats.org/officeDocument/2006/relationships" xmlns:p="http://schemas.openxmlformats.org/presentationml/2006/main">
   <p:cSld>
     <p:spTree>
       <p:nvGrpSpPr>
@@ -741,7 +741,7 @@
     </p:spTree>
     <p:extLst>
       <p:ext uri="{BB962C8B-B14F-4D97-AF65-F5344CB8AC3E}">
-        <p14:creationId xmlns:p14="http://schemas.microsoft.com/office/powerpoint/2010/main" xmlns:p="http://schemas.openxmlformats.org/presentationml/2006/main" xmlns:r="http://schemas.openxmlformats.org/officeDocument/2006/relationships" xmlns:a="http://schemas.openxmlformats.org/drawingml/2006/main" xmlns="" val="963676054"/>
+        <p14:creationId xmlns:p14="http://schemas.microsoft.com/office/powerpoint/2010/main" val="963676054"/>
       </p:ext>
     </p:extLst>
   </p:cSld>
@@ -752,7 +752,7 @@
 </file>
 
 <file path=ppt/notesSlides/notesSlide4.xml><?xml version="1.0" encoding="utf-8"?>
-<p:notes xmlns:a="http://schemas.openxmlformats.org/drawingml/2006/main" xmlns:r="http://schemas.openxmlformats.org/officeDocument/2006/relationships" xmlns:mc="http://schemas.openxmlformats.org/markup-compatibility/2006" xmlns:mv="urn:schemas-microsoft-com:mac:vml" xmlns:p="http://schemas.openxmlformats.org/presentationml/2006/main" mc:Ignorable="mv" mc:PreserveAttributes="mv:*">
+<p:notes xmlns:a="http://schemas.openxmlformats.org/drawingml/2006/main" xmlns:r="http://schemas.openxmlformats.org/officeDocument/2006/relationships" xmlns:p="http://schemas.openxmlformats.org/presentationml/2006/main">
   <p:cSld>
     <p:spTree>
       <p:nvGrpSpPr>
@@ -826,7 +826,7 @@
     </p:spTree>
     <p:extLst>
       <p:ext uri="{BB962C8B-B14F-4D97-AF65-F5344CB8AC3E}">
-        <p14:creationId xmlns:p14="http://schemas.microsoft.com/office/powerpoint/2010/main" xmlns:p="http://schemas.openxmlformats.org/presentationml/2006/main" xmlns:r="http://schemas.openxmlformats.org/officeDocument/2006/relationships" xmlns:a="http://schemas.openxmlformats.org/drawingml/2006/main" xmlns="" val="1443086944"/>
+        <p14:creationId xmlns:p14="http://schemas.microsoft.com/office/powerpoint/2010/main" val="1443086944"/>
       </p:ext>
     </p:extLst>
   </p:cSld>
@@ -837,7 +837,7 @@
 </file>
 
 <file path=ppt/slideLayouts/slideLayout1.xml><?xml version="1.0" encoding="utf-8"?>
-<p:sldLayout xmlns:a="http://schemas.openxmlformats.org/drawingml/2006/main" xmlns:r="http://schemas.openxmlformats.org/officeDocument/2006/relationships" xmlns:mc="http://schemas.openxmlformats.org/markup-compatibility/2006" xmlns:mv="urn:schemas-microsoft-com:mac:vml" xmlns:p="http://schemas.openxmlformats.org/presentationml/2006/main" mc:Ignorable="mv" mc:PreserveAttributes="mv:*" type="title" preserve="1">
+<p:sldLayout xmlns:a="http://schemas.openxmlformats.org/drawingml/2006/main" xmlns:r="http://schemas.openxmlformats.org/officeDocument/2006/relationships" xmlns:p="http://schemas.openxmlformats.org/presentationml/2006/main" type="title" preserve="1">
   <p:cSld name="Title Slide">
     <p:bg>
       <p:bgPr>
@@ -1061,7 +1061,7 @@
 </file>
 
 <file path=ppt/slideLayouts/slideLayout10.xml><?xml version="1.0" encoding="utf-8"?>
-<p:sldLayout xmlns:a="http://schemas.openxmlformats.org/drawingml/2006/main" xmlns:r="http://schemas.openxmlformats.org/officeDocument/2006/relationships" xmlns:mc="http://schemas.openxmlformats.org/markup-compatibility/2006" xmlns:mv="urn:schemas-microsoft-com:mac:vml" xmlns:p="http://schemas.openxmlformats.org/presentationml/2006/main" mc:Ignorable="mv" mc:PreserveAttributes="mv:*" preserve="1" userDrawn="1">
+<p:sldLayout xmlns:a="http://schemas.openxmlformats.org/drawingml/2006/main" xmlns:r="http://schemas.openxmlformats.org/officeDocument/2006/relationships" xmlns:p="http://schemas.openxmlformats.org/presentationml/2006/main" preserve="1" userDrawn="1">
   <p:cSld name="Impact Slide - Pink">
     <p:bg>
       <p:bgPr>
@@ -1134,7 +1134,7 @@
 </file>
 
 <file path=ppt/slideLayouts/slideLayout11.xml><?xml version="1.0" encoding="utf-8"?>
-<p:sldLayout xmlns:a="http://schemas.openxmlformats.org/drawingml/2006/main" xmlns:r="http://schemas.openxmlformats.org/officeDocument/2006/relationships" xmlns:mc="http://schemas.openxmlformats.org/markup-compatibility/2006" xmlns:mv="urn:schemas-microsoft-com:mac:vml" xmlns:p="http://schemas.openxmlformats.org/presentationml/2006/main" mc:Ignorable="mv" mc:PreserveAttributes="mv:*" preserve="1" userDrawn="1">
+<p:sldLayout xmlns:a="http://schemas.openxmlformats.org/drawingml/2006/main" xmlns:r="http://schemas.openxmlformats.org/officeDocument/2006/relationships" xmlns:p="http://schemas.openxmlformats.org/presentationml/2006/main" preserve="1" userDrawn="1">
   <p:cSld name="Quote Slide - Neutral">
     <p:bg>
       <p:bgPr>
@@ -1293,7 +1293,7 @@
 </file>
 
 <file path=ppt/slideLayouts/slideLayout12.xml><?xml version="1.0" encoding="utf-8"?>
-<p:sldLayout xmlns:a="http://schemas.openxmlformats.org/drawingml/2006/main" xmlns:r="http://schemas.openxmlformats.org/officeDocument/2006/relationships" xmlns:mc="http://schemas.openxmlformats.org/markup-compatibility/2006" xmlns:mv="urn:schemas-microsoft-com:mac:vml" xmlns:p="http://schemas.openxmlformats.org/presentationml/2006/main" mc:Ignorable="mv" mc:PreserveAttributes="mv:*" preserve="1" userDrawn="1">
+<p:sldLayout xmlns:a="http://schemas.openxmlformats.org/drawingml/2006/main" xmlns:r="http://schemas.openxmlformats.org/officeDocument/2006/relationships" xmlns:p="http://schemas.openxmlformats.org/presentationml/2006/main" preserve="1" userDrawn="1">
   <p:cSld name="Quote Slide - Teal">
     <p:bg>
       <p:bgPr>
@@ -1446,7 +1446,7 @@
 </file>
 
 <file path=ppt/slideLayouts/slideLayout13.xml><?xml version="1.0" encoding="utf-8"?>
-<p:sldLayout xmlns:a="http://schemas.openxmlformats.org/drawingml/2006/main" xmlns:r="http://schemas.openxmlformats.org/officeDocument/2006/relationships" xmlns:mc="http://schemas.openxmlformats.org/markup-compatibility/2006" xmlns:mv="urn:schemas-microsoft-com:mac:vml" xmlns:p="http://schemas.openxmlformats.org/presentationml/2006/main" mc:Ignorable="mv" mc:PreserveAttributes="mv:*" preserve="1" userDrawn="1">
+<p:sldLayout xmlns:a="http://schemas.openxmlformats.org/drawingml/2006/main" xmlns:r="http://schemas.openxmlformats.org/officeDocument/2006/relationships" xmlns:p="http://schemas.openxmlformats.org/presentationml/2006/main" preserve="1" userDrawn="1">
   <p:cSld name="Quote Slide - Green">
     <p:bg>
       <p:bgPr>
@@ -1599,7 +1599,7 @@
 </file>
 
 <file path=ppt/slideLayouts/slideLayout14.xml><?xml version="1.0" encoding="utf-8"?>
-<p:sldLayout xmlns:a="http://schemas.openxmlformats.org/drawingml/2006/main" xmlns:r="http://schemas.openxmlformats.org/officeDocument/2006/relationships" xmlns:mc="http://schemas.openxmlformats.org/markup-compatibility/2006" xmlns:mv="urn:schemas-microsoft-com:mac:vml" xmlns:p="http://schemas.openxmlformats.org/presentationml/2006/main" mc:Ignorable="mv" mc:PreserveAttributes="mv:*" preserve="1" userDrawn="1">
+<p:sldLayout xmlns:a="http://schemas.openxmlformats.org/drawingml/2006/main" xmlns:r="http://schemas.openxmlformats.org/officeDocument/2006/relationships" xmlns:p="http://schemas.openxmlformats.org/presentationml/2006/main" preserve="1" userDrawn="1">
   <p:cSld name="Orange Quote Slide">
     <p:bg>
       <p:bgPr>
@@ -1752,7 +1752,7 @@
 </file>
 
 <file path=ppt/slideLayouts/slideLayout15.xml><?xml version="1.0" encoding="utf-8"?>
-<p:sldLayout xmlns:a="http://schemas.openxmlformats.org/drawingml/2006/main" xmlns:r="http://schemas.openxmlformats.org/officeDocument/2006/relationships" xmlns:mc="http://schemas.openxmlformats.org/markup-compatibility/2006" xmlns:mv="urn:schemas-microsoft-com:mac:vml" xmlns:p="http://schemas.openxmlformats.org/presentationml/2006/main" mc:Ignorable="mv" mc:PreserveAttributes="mv:*" preserve="1" userDrawn="1">
+<p:sldLayout xmlns:a="http://schemas.openxmlformats.org/drawingml/2006/main" xmlns:r="http://schemas.openxmlformats.org/officeDocument/2006/relationships" xmlns:p="http://schemas.openxmlformats.org/presentationml/2006/main" preserve="1" userDrawn="1">
   <p:cSld name="Quote Slide - Pink">
     <p:bg>
       <p:bgPr>
@@ -1905,7 +1905,7 @@
 </file>
 
 <file path=ppt/slideLayouts/slideLayout16.xml><?xml version="1.0" encoding="utf-8"?>
-<p:sldLayout xmlns:a="http://schemas.openxmlformats.org/drawingml/2006/main" xmlns:r="http://schemas.openxmlformats.org/officeDocument/2006/relationships" xmlns:mc="http://schemas.openxmlformats.org/markup-compatibility/2006" xmlns:mv="urn:schemas-microsoft-com:mac:vml" xmlns:p="http://schemas.openxmlformats.org/presentationml/2006/main" mc:Ignorable="mv" mc:PreserveAttributes="mv:*" preserve="1" userDrawn="1">
+<p:sldLayout xmlns:a="http://schemas.openxmlformats.org/drawingml/2006/main" xmlns:r="http://schemas.openxmlformats.org/officeDocument/2006/relationships" xmlns:p="http://schemas.openxmlformats.org/presentationml/2006/main" preserve="1" userDrawn="1">
   <p:cSld name="Thank You - Teal">
     <p:bg>
       <p:bgPr>
@@ -2036,7 +2036,7 @@
 </file>
 
 <file path=ppt/slideLayouts/slideLayout17.xml><?xml version="1.0" encoding="utf-8"?>
-<p:sldLayout xmlns:a="http://schemas.openxmlformats.org/drawingml/2006/main" xmlns:r="http://schemas.openxmlformats.org/officeDocument/2006/relationships" xmlns:mc="http://schemas.openxmlformats.org/markup-compatibility/2006" xmlns:mv="urn:schemas-microsoft-com:mac:vml" xmlns:p="http://schemas.openxmlformats.org/presentationml/2006/main" mc:Ignorable="mv" mc:PreserveAttributes="mv:*" preserve="1" userDrawn="1">
+<p:sldLayout xmlns:a="http://schemas.openxmlformats.org/drawingml/2006/main" xmlns:r="http://schemas.openxmlformats.org/officeDocument/2006/relationships" xmlns:p="http://schemas.openxmlformats.org/presentationml/2006/main" preserve="1" userDrawn="1">
   <p:cSld name="Thank You - Green">
     <p:bg>
       <p:bgPr>
@@ -2167,7 +2167,7 @@
 </file>
 
 <file path=ppt/slideLayouts/slideLayout18.xml><?xml version="1.0" encoding="utf-8"?>
-<p:sldLayout xmlns:a="http://schemas.openxmlformats.org/drawingml/2006/main" xmlns:r="http://schemas.openxmlformats.org/officeDocument/2006/relationships" xmlns:mc="http://schemas.openxmlformats.org/markup-compatibility/2006" xmlns:mv="urn:schemas-microsoft-com:mac:vml" xmlns:p="http://schemas.openxmlformats.org/presentationml/2006/main" mc:Ignorable="mv" mc:PreserveAttributes="mv:*" userDrawn="1">
+<p:sldLayout xmlns:a="http://schemas.openxmlformats.org/drawingml/2006/main" xmlns:r="http://schemas.openxmlformats.org/officeDocument/2006/relationships" xmlns:p="http://schemas.openxmlformats.org/presentationml/2006/main" userDrawn="1">
   <p:cSld name="Thank You - Orange">
     <p:bg>
       <p:bgPr>
@@ -2298,7 +2298,7 @@
 </file>
 
 <file path=ppt/slideLayouts/slideLayout19.xml><?xml version="1.0" encoding="utf-8"?>
-<p:sldLayout xmlns:a="http://schemas.openxmlformats.org/drawingml/2006/main" xmlns:r="http://schemas.openxmlformats.org/officeDocument/2006/relationships" xmlns:mc="http://schemas.openxmlformats.org/markup-compatibility/2006" xmlns:mv="urn:schemas-microsoft-com:mac:vml" xmlns:p="http://schemas.openxmlformats.org/presentationml/2006/main" mc:Ignorable="mv" mc:PreserveAttributes="mv:*" userDrawn="1">
+<p:sldLayout xmlns:a="http://schemas.openxmlformats.org/drawingml/2006/main" xmlns:r="http://schemas.openxmlformats.org/officeDocument/2006/relationships" xmlns:p="http://schemas.openxmlformats.org/presentationml/2006/main" userDrawn="1">
   <p:cSld name="Thank You - Pink">
     <p:bg>
       <p:bgPr>
@@ -2429,7 +2429,7 @@
 </file>
 
 <file path=ppt/slideLayouts/slideLayout2.xml><?xml version="1.0" encoding="utf-8"?>
-<p:sldLayout xmlns:a="http://schemas.openxmlformats.org/drawingml/2006/main" xmlns:r="http://schemas.openxmlformats.org/officeDocument/2006/relationships" xmlns:mc="http://schemas.openxmlformats.org/markup-compatibility/2006" xmlns:mv="urn:schemas-microsoft-com:mac:vml" xmlns:p="http://schemas.openxmlformats.org/presentationml/2006/main" mc:Ignorable="mv" mc:PreserveAttributes="mv:*" preserve="1" userDrawn="1">
+<p:sldLayout xmlns:a="http://schemas.openxmlformats.org/drawingml/2006/main" xmlns:r="http://schemas.openxmlformats.org/officeDocument/2006/relationships" xmlns:p="http://schemas.openxmlformats.org/presentationml/2006/main" preserve="1" userDrawn="1">
   <p:cSld name="Title and Single Element">
     <p:spTree>
       <p:nvGrpSpPr>
@@ -2760,7 +2760,7 @@
 </file>
 
 <file path=ppt/slideLayouts/slideLayout3.xml><?xml version="1.0" encoding="utf-8"?>
-<p:sldLayout xmlns:a="http://schemas.openxmlformats.org/drawingml/2006/main" xmlns:r="http://schemas.openxmlformats.org/officeDocument/2006/relationships" xmlns:mc="http://schemas.openxmlformats.org/markup-compatibility/2006" xmlns:mv="urn:schemas-microsoft-com:mac:vml" xmlns:p="http://schemas.openxmlformats.org/presentationml/2006/main" mc:Ignorable="mv" mc:PreserveAttributes="mv:*" preserve="1" userDrawn="1">
+<p:sldLayout xmlns:a="http://schemas.openxmlformats.org/drawingml/2006/main" xmlns:r="http://schemas.openxmlformats.org/officeDocument/2006/relationships" xmlns:p="http://schemas.openxmlformats.org/presentationml/2006/main" preserve="1" userDrawn="1">
   <p:cSld name="Title and Two Element">
     <p:spTree>
       <p:nvGrpSpPr>
@@ -3152,7 +3152,7 @@
 </file>
 
 <file path=ppt/slideLayouts/slideLayout4.xml><?xml version="1.0" encoding="utf-8"?>
-<p:sldLayout xmlns:a="http://schemas.openxmlformats.org/drawingml/2006/main" xmlns:r="http://schemas.openxmlformats.org/officeDocument/2006/relationships" xmlns:mc="http://schemas.openxmlformats.org/markup-compatibility/2006" xmlns:mv="urn:schemas-microsoft-com:mac:vml" xmlns:p="http://schemas.openxmlformats.org/presentationml/2006/main" mc:Ignorable="mv" mc:PreserveAttributes="mv:*" preserve="1" userDrawn="1">
+<p:sldLayout xmlns:a="http://schemas.openxmlformats.org/drawingml/2006/main" xmlns:r="http://schemas.openxmlformats.org/officeDocument/2006/relationships" xmlns:p="http://schemas.openxmlformats.org/presentationml/2006/main" preserve="1" userDrawn="1">
   <p:cSld name="Title Only and Blank">
     <p:spTree>
       <p:nvGrpSpPr>
@@ -3426,7 +3426,7 @@
 </file>
 
 <file path=ppt/slideLayouts/slideLayout5.xml><?xml version="1.0" encoding="utf-8"?>
-<p:sldLayout xmlns:a="http://schemas.openxmlformats.org/drawingml/2006/main" xmlns:r="http://schemas.openxmlformats.org/officeDocument/2006/relationships" xmlns:mc="http://schemas.openxmlformats.org/markup-compatibility/2006" xmlns:mv="urn:schemas-microsoft-com:mac:vml" xmlns:p="http://schemas.openxmlformats.org/presentationml/2006/main" mc:Ignorable="mv" mc:PreserveAttributes="mv:*" userDrawn="1">
+<p:sldLayout xmlns:a="http://schemas.openxmlformats.org/drawingml/2006/main" xmlns:r="http://schemas.openxmlformats.org/officeDocument/2006/relationships" xmlns:p="http://schemas.openxmlformats.org/presentationml/2006/main" userDrawn="1">
   <p:cSld name="Left Text and Right Image">
     <p:spTree>
       <p:nvGrpSpPr>
@@ -3787,7 +3787,7 @@
 </file>
 
 <file path=ppt/slideLayouts/slideLayout6.xml><?xml version="1.0" encoding="utf-8"?>
-<p:sldLayout xmlns:a="http://schemas.openxmlformats.org/drawingml/2006/main" xmlns:r="http://schemas.openxmlformats.org/officeDocument/2006/relationships" xmlns:mc="http://schemas.openxmlformats.org/markup-compatibility/2006" xmlns:mv="urn:schemas-microsoft-com:mac:vml" xmlns:p="http://schemas.openxmlformats.org/presentationml/2006/main" mc:Ignorable="mv" mc:PreserveAttributes="mv:*" preserve="1" userDrawn="1">
+<p:sldLayout xmlns:a="http://schemas.openxmlformats.org/drawingml/2006/main" xmlns:r="http://schemas.openxmlformats.org/officeDocument/2006/relationships" xmlns:p="http://schemas.openxmlformats.org/presentationml/2006/main" preserve="1" userDrawn="1">
   <p:cSld name="Left Image and Right Text">
     <p:spTree>
       <p:nvGrpSpPr>
@@ -4148,7 +4148,7 @@
 </file>
 
 <file path=ppt/slideLayouts/slideLayout7.xml><?xml version="1.0" encoding="utf-8"?>
-<p:sldLayout xmlns:a="http://schemas.openxmlformats.org/drawingml/2006/main" xmlns:r="http://schemas.openxmlformats.org/officeDocument/2006/relationships" xmlns:mc="http://schemas.openxmlformats.org/markup-compatibility/2006" xmlns:mv="urn:schemas-microsoft-com:mac:vml" xmlns:p="http://schemas.openxmlformats.org/presentationml/2006/main" mc:Ignorable="mv" mc:PreserveAttributes="mv:*" preserve="1" userDrawn="1">
+<p:sldLayout xmlns:a="http://schemas.openxmlformats.org/drawingml/2006/main" xmlns:r="http://schemas.openxmlformats.org/officeDocument/2006/relationships" xmlns:p="http://schemas.openxmlformats.org/presentationml/2006/main" preserve="1" userDrawn="1">
   <p:cSld name="Impact Slide - Teal">
     <p:bg>
       <p:bgPr>
@@ -4243,7 +4243,7 @@
 </file>
 
 <file path=ppt/slideLayouts/slideLayout8.xml><?xml version="1.0" encoding="utf-8"?>
-<p:sldLayout xmlns:a="http://schemas.openxmlformats.org/drawingml/2006/main" xmlns:r="http://schemas.openxmlformats.org/officeDocument/2006/relationships" xmlns:mc="http://schemas.openxmlformats.org/markup-compatibility/2006" xmlns:mv="urn:schemas-microsoft-com:mac:vml" xmlns:p="http://schemas.openxmlformats.org/presentationml/2006/main" mc:Ignorable="mv" mc:PreserveAttributes="mv:*" preserve="1" userDrawn="1">
+<p:sldLayout xmlns:a="http://schemas.openxmlformats.org/drawingml/2006/main" xmlns:r="http://schemas.openxmlformats.org/officeDocument/2006/relationships" xmlns:p="http://schemas.openxmlformats.org/presentationml/2006/main" preserve="1" userDrawn="1">
   <p:cSld name="Impact Slide - Green">
     <p:bg>
       <p:bgPr>
@@ -4338,7 +4338,7 @@
 </file>
 
 <file path=ppt/slideLayouts/slideLayout9.xml><?xml version="1.0" encoding="utf-8"?>
-<p:sldLayout xmlns:a="http://schemas.openxmlformats.org/drawingml/2006/main" xmlns:r="http://schemas.openxmlformats.org/officeDocument/2006/relationships" xmlns:mc="http://schemas.openxmlformats.org/markup-compatibility/2006" xmlns:mv="urn:schemas-microsoft-com:mac:vml" xmlns:p="http://schemas.openxmlformats.org/presentationml/2006/main" mc:Ignorable="mv" mc:PreserveAttributes="mv:*" preserve="1" userDrawn="1">
+<p:sldLayout xmlns:a="http://schemas.openxmlformats.org/drawingml/2006/main" xmlns:r="http://schemas.openxmlformats.org/officeDocument/2006/relationships" xmlns:p="http://schemas.openxmlformats.org/presentationml/2006/main" preserve="1" userDrawn="1">
   <p:cSld name="Impact Slide - Orange">
     <p:bg>
       <p:bgPr>
@@ -4433,7 +4433,7 @@
 </file>
 
 <file path=ppt/slideMasters/slideMaster1.xml><?xml version="1.0" encoding="utf-8"?>
-<p:sldMaster xmlns:a="http://schemas.openxmlformats.org/drawingml/2006/main" xmlns:r="http://schemas.openxmlformats.org/officeDocument/2006/relationships" xmlns:mc="http://schemas.openxmlformats.org/markup-compatibility/2006" xmlns:mv="urn:schemas-microsoft-com:mac:vml" xmlns:p="http://schemas.openxmlformats.org/presentationml/2006/main" mc:Ignorable="mv" mc:PreserveAttributes="mv:*">
+<p:sldMaster xmlns:a="http://schemas.openxmlformats.org/drawingml/2006/main" xmlns:r="http://schemas.openxmlformats.org/officeDocument/2006/relationships" xmlns:p="http://schemas.openxmlformats.org/presentationml/2006/main">
   <p:cSld>
     <p:bg>
       <p:bgPr>
@@ -5055,7 +5055,7 @@
 </file>
 
 <file path=ppt/slides/slide1.xml><?xml version="1.0" encoding="utf-8"?>
-<p:sld xmlns:a="http://schemas.openxmlformats.org/drawingml/2006/main" xmlns:r="http://schemas.openxmlformats.org/officeDocument/2006/relationships" xmlns:mc="http://schemas.openxmlformats.org/markup-compatibility/2006" xmlns:mv="urn:schemas-microsoft-com:mac:vml" xmlns:p="http://schemas.openxmlformats.org/presentationml/2006/main" mc:Ignorable="mv" mc:PreserveAttributes="mv:*">
+<p:sld xmlns:a="http://schemas.openxmlformats.org/drawingml/2006/main" xmlns:r="http://schemas.openxmlformats.org/officeDocument/2006/relationships" xmlns:p="http://schemas.openxmlformats.org/presentationml/2006/main">
   <p:cSld>
     <p:spTree>
       <p:nvGrpSpPr>
@@ -5135,20 +5135,20 @@
     </p:spTree>
     <p:extLst>
       <p:ext uri="{BB962C8B-B14F-4D97-AF65-F5344CB8AC3E}">
-        <p14:creationId xmlns:p14="http://schemas.microsoft.com/office/powerpoint/2010/main" xmlns:p="http://schemas.openxmlformats.org/presentationml/2006/main" xmlns:r="http://schemas.openxmlformats.org/officeDocument/2006/relationships" xmlns:a="http://schemas.openxmlformats.org/drawingml/2006/main" xmlns="" val="2352184382"/>
+        <p14:creationId xmlns:p14="http://schemas.microsoft.com/office/powerpoint/2010/main" val="2352184382"/>
       </p:ext>
     </p:extLst>
   </p:cSld>
   <p:clrMapOvr>
     <a:masterClrMapping/>
   </p:clrMapOvr>
-  <p:transition spd="med">
+  <p:transition xmlns:p14="http://schemas.microsoft.com/office/powerpoint/2010/main" spd="med">
     <p:fade/>
   </p:transition>
   <p:timing>
     <p:tnLst>
       <p:par>
-        <p:cTn id="1" dur="indefinite" restart="never" nodeType="tmRoot"/>
+        <p:cTn xmlns:p14="http://schemas.microsoft.com/office/powerpoint/2010/main" id="1" dur="indefinite" restart="never" nodeType="tmRoot"/>
       </p:par>
     </p:tnLst>
   </p:timing>
@@ -5156,7 +5156,7 @@
 </file>
 
 <file path=ppt/slides/slide2.xml><?xml version="1.0" encoding="utf-8"?>
-<p:sld xmlns:a="http://schemas.openxmlformats.org/drawingml/2006/main" xmlns:r="http://schemas.openxmlformats.org/officeDocument/2006/relationships" xmlns:mc="http://schemas.openxmlformats.org/markup-compatibility/2006" xmlns:mv="urn:schemas-microsoft-com:mac:vml" xmlns:p="http://schemas.openxmlformats.org/presentationml/2006/main" mc:Ignorable="mv" mc:PreserveAttributes="mv:*">
+<p:sld xmlns:a="http://schemas.openxmlformats.org/drawingml/2006/main" xmlns:r="http://schemas.openxmlformats.org/officeDocument/2006/relationships" xmlns:p="http://schemas.openxmlformats.org/presentationml/2006/main">
   <p:cSld>
     <p:spTree>
       <p:nvGrpSpPr>
@@ -5189,11 +5189,7 @@
           <a:p>
             <a:r>
               <a:rPr lang="en-US" dirty="0" smtClean="0"/>
-              <a:t>selecting</a:t>
-            </a:r>
-            <a:r>
-              <a:rPr lang="en-US" dirty="0" smtClean="0"/>
-              <a:t> an editor</a:t>
+              <a:t>selecting an editor</a:t>
             </a:r>
             <a:endParaRPr lang="en-US" dirty="0"/>
           </a:p>
@@ -5231,37 +5227,8 @@
                   <a:schemeClr val="tx1"/>
                 </a:solidFill>
               </a:rPr>
-              <a:t>will</a:t>
-            </a:r>
-            <a:r>
-              <a:rPr lang="en-US" sz="3200" dirty="0" smtClean="0">
-                <a:solidFill>
-                  <a:schemeClr val="tx1"/>
-                </a:solidFill>
-              </a:rPr>
-              <a:t> need </a:t>
-            </a:r>
-            <a:r>
-              <a:rPr lang="en-US" sz="3200" dirty="0" smtClean="0">
-                <a:solidFill>
-                  <a:schemeClr val="tx1"/>
-                </a:solidFill>
-              </a:rPr>
-              <a:t>an editor for HTML/</a:t>
-            </a:r>
-            <a:r>
-              <a:rPr lang="en-US" sz="3200" dirty="0" smtClean="0">
-                <a:solidFill>
-                  <a:schemeClr val="tx1"/>
-                </a:solidFill>
-              </a:rPr>
-              <a:t>JavaScript</a:t>
-            </a:r>
-            <a:endParaRPr lang="en-US" sz="3200" dirty="0" smtClean="0">
-              <a:solidFill>
-                <a:schemeClr val="tx1"/>
-              </a:solidFill>
-            </a:endParaRPr>
+              <a:t>will need an editor for HTML/JavaScript</a:t>
+            </a:r>
           </a:p>
           <a:p>
             <a:pPr lvl="1"/>
@@ -5331,13 +5298,51 @@
           </a:p>
           <a:p>
             <a:endParaRPr lang="en-US" sz="3200" dirty="0"/>
+          </a:p>
+        </p:txBody>
+      </p:sp>
+      <p:sp>
+        <p:nvSpPr>
+          <p:cNvPr id="5" name="Slide Number Placeholder 3"/>
+          <p:cNvSpPr>
+            <a:spLocks noGrp="1"/>
+          </p:cNvSpPr>
+          <p:nvPr>
+            <p:ph type="sldNum" sz="quarter" idx="10"/>
+          </p:nvPr>
+        </p:nvSpPr>
+        <p:spPr>
+          <a:xfrm>
+            <a:off x="593725" y="9242425"/>
+            <a:ext cx="676275" cy="519113"/>
+          </a:xfrm>
+        </p:spPr>
+        <p:txBody>
+          <a:bodyPr/>
+          <a:lstStyle/>
+          <a:p>
+            <a:pPr>
+              <a:defRPr/>
+            </a:pPr>
+            <a:fld id="{3BEB2E47-3EB2-7B4C-8CBB-96C276A0FE3D}" type="slidenum">
+              <a:rPr lang="en-US" smtClean="0"/>
+              <a:pPr>
+                <a:defRPr/>
+              </a:pPr>
+              <a:t>2</a:t>
+            </a:fld>
+            <a:r>
+              <a:rPr lang="en-US" dirty="0" smtClean="0"/>
+              <a:t> </a:t>
+            </a:r>
+            <a:endParaRPr lang="en-US" dirty="0"/>
           </a:p>
         </p:txBody>
       </p:sp>
     </p:spTree>
     <p:extLst>
       <p:ext uri="{BB962C8B-B14F-4D97-AF65-F5344CB8AC3E}">
-        <p14:creationId xmlns:p14="http://schemas.microsoft.com/office/powerpoint/2010/main" xmlns:p="http://schemas.openxmlformats.org/presentationml/2006/main" xmlns:r="http://schemas.openxmlformats.org/officeDocument/2006/relationships" xmlns:a="http://schemas.openxmlformats.org/drawingml/2006/main" xmlns="" val="1723545958"/>
+        <p14:creationId xmlns:p14="http://schemas.microsoft.com/office/powerpoint/2010/main" val="1723545958"/>
       </p:ext>
     </p:extLst>
   </p:cSld>
@@ -5347,7 +5352,7 @@
   <p:timing>
     <p:tnLst>
       <p:par>
-        <p:cTn id="1" dur="indefinite" restart="never" nodeType="tmRoot"/>
+        <p:cTn xmlns:p14="http://schemas.microsoft.com/office/powerpoint/2010/main" id="1" dur="indefinite" restart="never" nodeType="tmRoot"/>
       </p:par>
     </p:tnLst>
   </p:timing>
@@ -5355,7 +5360,7 @@
 </file>
 
 <file path=ppt/slides/slide3.xml><?xml version="1.0" encoding="utf-8"?>
-<p:sld xmlns:a="http://schemas.openxmlformats.org/drawingml/2006/main" xmlns:r="http://schemas.openxmlformats.org/officeDocument/2006/relationships" xmlns:mc="http://schemas.openxmlformats.org/markup-compatibility/2006" xmlns:mv="urn:schemas-microsoft-com:mac:vml" xmlns:p="http://schemas.openxmlformats.org/presentationml/2006/main" mc:Ignorable="mv" mc:PreserveAttributes="mv:*">
+<p:sld xmlns:a="http://schemas.openxmlformats.org/drawingml/2006/main" xmlns:r="http://schemas.openxmlformats.org/officeDocument/2006/relationships" xmlns:p="http://schemas.openxmlformats.org/presentationml/2006/main">
   <p:cSld>
     <p:spTree>
       <p:nvGrpSpPr>
@@ -5429,21 +5434,7 @@
                 <a:latin typeface="Arial" pitchFamily="-105" charset="0"/>
                 <a:ea typeface="ＭＳ Ｐゴシック" pitchFamily="-105" charset="-128"/>
               </a:rPr>
-              <a:t>Use the Media </a:t>
-            </a:r>
-            <a:r>
-              <a:rPr lang="en-US" sz="3200" dirty="0" smtClean="0">
-                <a:latin typeface="Arial" pitchFamily="-105" charset="0"/>
-                <a:ea typeface="ＭＳ Ｐゴシック" pitchFamily="-105" charset="-128"/>
-              </a:rPr>
-              <a:t>API</a:t>
-            </a:r>
-            <a:r>
-              <a:rPr lang="en-US" sz="3200" dirty="0" smtClean="0">
-                <a:latin typeface="Arial" pitchFamily="-105" charset="0"/>
-                <a:ea typeface="ＭＳ Ｐゴシック" pitchFamily="-105" charset="-128"/>
-              </a:rPr>
-              <a:t> Test Tool to view video and playlist </a:t>
+              <a:t>Use the Media API Test Tool to view video and playlist </a:t>
             </a:r>
             <a:r>
               <a:rPr lang="en-US" sz="3200" smtClean="0">
@@ -5476,13 +5467,7 @@
               <a:rPr lang="en-US" sz="3200" dirty="0" smtClean="0">
                 <a:hlinkClick r:id="rId3"/>
               </a:rPr>
-              <a:t>http://solutions.brightcove.com/bcls/media/api-test-tool/media-api-test-</a:t>
-            </a:r>
-            <a:r>
-              <a:rPr lang="en-US" sz="3200" dirty="0" smtClean="0">
-                <a:hlinkClick r:id="rId3"/>
-              </a:rPr>
-              <a:t>tool.html</a:t>
+              <a:t>http://solutions.brightcove.com/bcls/media/api-test-tool/media-api-test-tool.html</a:t>
             </a:r>
             <a:r>
               <a:rPr lang="en-US" sz="3200" dirty="0" smtClean="0"/>
@@ -5491,13 +5476,51 @@
           </a:p>
           <a:p>
             <a:endParaRPr lang="en-US" sz="3200" dirty="0"/>
+          </a:p>
+        </p:txBody>
+      </p:sp>
+      <p:sp>
+        <p:nvSpPr>
+          <p:cNvPr id="5" name="Slide Number Placeholder 3"/>
+          <p:cNvSpPr>
+            <a:spLocks noGrp="1"/>
+          </p:cNvSpPr>
+          <p:nvPr>
+            <p:ph type="sldNum" sz="quarter" idx="10"/>
+          </p:nvPr>
+        </p:nvSpPr>
+        <p:spPr>
+          <a:xfrm>
+            <a:off x="593725" y="9242425"/>
+            <a:ext cx="676275" cy="519113"/>
+          </a:xfrm>
+        </p:spPr>
+        <p:txBody>
+          <a:bodyPr/>
+          <a:lstStyle/>
+          <a:p>
+            <a:pPr>
+              <a:defRPr/>
+            </a:pPr>
+            <a:fld id="{3BEB2E47-3EB2-7B4C-8CBB-96C276A0FE3D}" type="slidenum">
+              <a:rPr lang="en-US" smtClean="0"/>
+              <a:pPr>
+                <a:defRPr/>
+              </a:pPr>
+              <a:t>3</a:t>
+            </a:fld>
+            <a:r>
+              <a:rPr lang="en-US" dirty="0" smtClean="0"/>
+              <a:t> </a:t>
+            </a:r>
+            <a:endParaRPr lang="en-US" dirty="0"/>
           </a:p>
         </p:txBody>
       </p:sp>
     </p:spTree>
     <p:extLst>
       <p:ext uri="{BB962C8B-B14F-4D97-AF65-F5344CB8AC3E}">
-        <p14:creationId xmlns:p14="http://schemas.microsoft.com/office/powerpoint/2010/main" xmlns:p="http://schemas.openxmlformats.org/presentationml/2006/main" xmlns:r="http://schemas.openxmlformats.org/officeDocument/2006/relationships" xmlns:a="http://schemas.openxmlformats.org/drawingml/2006/main" xmlns="" val="1723545958"/>
+        <p14:creationId xmlns:p14="http://schemas.microsoft.com/office/powerpoint/2010/main" val="1723545958"/>
       </p:ext>
     </p:extLst>
   </p:cSld>
@@ -5507,7 +5530,7 @@
   <p:timing>
     <p:tnLst>
       <p:par>
-        <p:cTn id="1" dur="indefinite" restart="never" nodeType="tmRoot"/>
+        <p:cTn xmlns:p14="http://schemas.microsoft.com/office/powerpoint/2010/main" id="1" dur="indefinite" restart="never" nodeType="tmRoot"/>
       </p:par>
     </p:tnLst>
   </p:timing>
@@ -5515,7 +5538,7 @@
 </file>
 
 <file path=ppt/slides/slide4.xml><?xml version="1.0" encoding="utf-8"?>
-<p:sld xmlns:a="http://schemas.openxmlformats.org/drawingml/2006/main" xmlns:r="http://schemas.openxmlformats.org/officeDocument/2006/relationships" xmlns:mc="http://schemas.openxmlformats.org/markup-compatibility/2006" xmlns:mv="urn:schemas-microsoft-com:mac:vml" xmlns:p="http://schemas.openxmlformats.org/presentationml/2006/main" mc:Ignorable="mv" mc:PreserveAttributes="mv:*">
+<p:sld xmlns:a="http://schemas.openxmlformats.org/drawingml/2006/main" xmlns:r="http://schemas.openxmlformats.org/officeDocument/2006/relationships" xmlns:p="http://schemas.openxmlformats.org/presentationml/2006/main">
   <p:cSld>
     <p:spTree>
       <p:nvGrpSpPr>
@@ -5578,7 +5601,6 @@
               <a:rPr lang="en-US" sz="3000" dirty="0" smtClean="0"/>
               <a:t>Get the student files and the slides</a:t>
             </a:r>
-            <a:endParaRPr lang="en-US" sz="3000" dirty="0" smtClean="0"/>
           </a:p>
           <a:p>
             <a:pPr lvl="1"/>
@@ -5586,13 +5608,7 @@
               <a:rPr lang="en-US" sz="3000" dirty="0" smtClean="0">
                 <a:hlinkClick r:id="rId2"/>
               </a:rPr>
-              <a:t>http://bit.ly/</a:t>
-            </a:r>
-            <a:r>
-              <a:rPr lang="en-US" sz="3000" dirty="0" smtClean="0">
-                <a:hlinkClick r:id="rId2"/>
-              </a:rPr>
-              <a:t>1eVbSth</a:t>
+              <a:t>http://bit.ly/1eVbSth</a:t>
             </a:r>
             <a:r>
               <a:rPr lang="en-US" sz="3000" dirty="0" smtClean="0"/>
@@ -5654,7 +5670,7 @@
           <a:blip r:embed="rId3">
             <a:extLst>
               <a:ext uri="{28A0092B-C50C-407E-A947-70E740481C1C}">
-                <a14:useLocalDpi xmlns:a14="http://schemas.microsoft.com/office/drawing/2010/main" xmlns:p="http://schemas.openxmlformats.org/presentationml/2006/main" xmlns:r="http://schemas.openxmlformats.org/officeDocument/2006/relationships" xmlns:a="http://schemas.openxmlformats.org/drawingml/2006/main" xmlns="" val="0"/>
+                <a14:useLocalDpi xmlns:a14="http://schemas.microsoft.com/office/drawing/2010/main" val="0"/>
               </a:ext>
             </a:extLst>
           </a:blip>
@@ -5675,7 +5691,7 @@
     </p:spTree>
     <p:extLst>
       <p:ext uri="{BB962C8B-B14F-4D97-AF65-F5344CB8AC3E}">
-        <p14:creationId xmlns:p14="http://schemas.microsoft.com/office/powerpoint/2010/main" xmlns:p="http://schemas.openxmlformats.org/presentationml/2006/main" xmlns:r="http://schemas.openxmlformats.org/officeDocument/2006/relationships" xmlns:a="http://schemas.openxmlformats.org/drawingml/2006/main" xmlns="" val="2001559374"/>
+        <p14:creationId xmlns:p14="http://schemas.microsoft.com/office/powerpoint/2010/main" val="2001559374"/>
       </p:ext>
     </p:extLst>
   </p:cSld>
@@ -5686,7 +5702,7 @@
 </file>
 
 <file path=ppt/slides/slide5.xml><?xml version="1.0" encoding="utf-8"?>
-<p:sld xmlns:a="http://schemas.openxmlformats.org/drawingml/2006/main" xmlns:r="http://schemas.openxmlformats.org/officeDocument/2006/relationships" xmlns:mc="http://schemas.openxmlformats.org/markup-compatibility/2006" xmlns:mv="urn:schemas-microsoft-com:mac:vml" xmlns:p="http://schemas.openxmlformats.org/presentationml/2006/main" mc:Ignorable="mv" mc:PreserveAttributes="mv:*">
+<p:sld xmlns:a="http://schemas.openxmlformats.org/drawingml/2006/main" xmlns:r="http://schemas.openxmlformats.org/officeDocument/2006/relationships" xmlns:p="http://schemas.openxmlformats.org/presentationml/2006/main">
   <p:cSld>
     <p:spTree>
       <p:nvGrpSpPr>
@@ -5787,20 +5803,20 @@
     </p:spTree>
     <p:extLst>
       <p:ext uri="{BB962C8B-B14F-4D97-AF65-F5344CB8AC3E}">
-        <p14:creationId xmlns:p14="http://schemas.microsoft.com/office/powerpoint/2010/main" xmlns:p="http://schemas.openxmlformats.org/presentationml/2006/main" xmlns:r="http://schemas.openxmlformats.org/officeDocument/2006/relationships" xmlns:a="http://schemas.openxmlformats.org/drawingml/2006/main" xmlns="" val="3700295984"/>
+        <p14:creationId xmlns:p14="http://schemas.microsoft.com/office/powerpoint/2010/main" val="3700295984"/>
       </p:ext>
     </p:extLst>
   </p:cSld>
   <p:clrMapOvr>
     <a:masterClrMapping/>
   </p:clrMapOvr>
-  <p:transition spd="med">
+  <p:transition xmlns:p14="http://schemas.microsoft.com/office/powerpoint/2010/main" spd="med">
     <p:fade/>
   </p:transition>
   <p:timing>
     <p:tnLst>
       <p:par>
-        <p:cTn id="1" dur="indefinite" restart="never" nodeType="tmRoot"/>
+        <p:cTn xmlns:p14="http://schemas.microsoft.com/office/powerpoint/2010/main" id="1" dur="indefinite" restart="never" nodeType="tmRoot"/>
       </p:par>
     </p:tnLst>
   </p:timing>
